--- a/a.pptx
+++ b/a.pptx
@@ -4,9 +4,6 @@
   <p:sldMasterIdLst>
     <p:sldMasterId id="2147483660" r:id="rId1"/>
   </p:sldMasterIdLst>
-  <p:notesMasterIdLst>
-    <p:notesMasterId r:id="rId7"/>
-  </p:notesMasterIdLst>
   <p:sldIdLst>
     <p:sldId id="256" r:id="rId2"/>
     <p:sldId id="257" r:id="rId3"/>
@@ -18,9 +15,9 @@
   <p:notesSz cx="6858000" cy="9144000"/>
   <p:defaultTextStyle>
     <a:defPPr>
-      <a:defRPr lang="ru-RU"/>
+      <a:defRPr lang="en-US"/>
     </a:defPPr>
-    <a:lvl1pPr marL="0" algn="l" defTabSz="914400" rtl="0" eaLnBrk="1" latinLnBrk="0" hangingPunct="1">
+    <a:lvl1pPr marL="0" algn="l" defTabSz="457200" rtl="0" eaLnBrk="1" latinLnBrk="0" hangingPunct="1">
       <a:defRPr sz="1800" kern="1200">
         <a:solidFill>
           <a:schemeClr val="tx1"/>
@@ -30,7 +27,7 @@
         <a:cs typeface="+mn-cs"/>
       </a:defRPr>
     </a:lvl1pPr>
-    <a:lvl2pPr marL="457200" algn="l" defTabSz="914400" rtl="0" eaLnBrk="1" latinLnBrk="0" hangingPunct="1">
+    <a:lvl2pPr marL="457200" algn="l" defTabSz="457200" rtl="0" eaLnBrk="1" latinLnBrk="0" hangingPunct="1">
       <a:defRPr sz="1800" kern="1200">
         <a:solidFill>
           <a:schemeClr val="tx1"/>
@@ -40,7 +37,7 @@
         <a:cs typeface="+mn-cs"/>
       </a:defRPr>
     </a:lvl2pPr>
-    <a:lvl3pPr marL="914400" algn="l" defTabSz="914400" rtl="0" eaLnBrk="1" latinLnBrk="0" hangingPunct="1">
+    <a:lvl3pPr marL="914400" algn="l" defTabSz="457200" rtl="0" eaLnBrk="1" latinLnBrk="0" hangingPunct="1">
       <a:defRPr sz="1800" kern="1200">
         <a:solidFill>
           <a:schemeClr val="tx1"/>
@@ -50,7 +47,7 @@
         <a:cs typeface="+mn-cs"/>
       </a:defRPr>
     </a:lvl3pPr>
-    <a:lvl4pPr marL="1371600" algn="l" defTabSz="914400" rtl="0" eaLnBrk="1" latinLnBrk="0" hangingPunct="1">
+    <a:lvl4pPr marL="1371600" algn="l" defTabSz="457200" rtl="0" eaLnBrk="1" latinLnBrk="0" hangingPunct="1">
       <a:defRPr sz="1800" kern="1200">
         <a:solidFill>
           <a:schemeClr val="tx1"/>
@@ -60,7 +57,7 @@
         <a:cs typeface="+mn-cs"/>
       </a:defRPr>
     </a:lvl4pPr>
-    <a:lvl5pPr marL="1828800" algn="l" defTabSz="914400" rtl="0" eaLnBrk="1" latinLnBrk="0" hangingPunct="1">
+    <a:lvl5pPr marL="1828800" algn="l" defTabSz="457200" rtl="0" eaLnBrk="1" latinLnBrk="0" hangingPunct="1">
       <a:defRPr sz="1800" kern="1200">
         <a:solidFill>
           <a:schemeClr val="tx1"/>
@@ -70,7 +67,7 @@
         <a:cs typeface="+mn-cs"/>
       </a:defRPr>
     </a:lvl5pPr>
-    <a:lvl6pPr marL="2286000" algn="l" defTabSz="914400" rtl="0" eaLnBrk="1" latinLnBrk="0" hangingPunct="1">
+    <a:lvl6pPr marL="2286000" algn="l" defTabSz="457200" rtl="0" eaLnBrk="1" latinLnBrk="0" hangingPunct="1">
       <a:defRPr sz="1800" kern="1200">
         <a:solidFill>
           <a:schemeClr val="tx1"/>
@@ -80,7 +77,7 @@
         <a:cs typeface="+mn-cs"/>
       </a:defRPr>
     </a:lvl6pPr>
-    <a:lvl7pPr marL="2743200" algn="l" defTabSz="914400" rtl="0" eaLnBrk="1" latinLnBrk="0" hangingPunct="1">
+    <a:lvl7pPr marL="2743200" algn="l" defTabSz="457200" rtl="0" eaLnBrk="1" latinLnBrk="0" hangingPunct="1">
       <a:defRPr sz="1800" kern="1200">
         <a:solidFill>
           <a:schemeClr val="tx1"/>
@@ -90,7 +87,7 @@
         <a:cs typeface="+mn-cs"/>
       </a:defRPr>
     </a:lvl7pPr>
-    <a:lvl8pPr marL="3200400" algn="l" defTabSz="914400" rtl="0" eaLnBrk="1" latinLnBrk="0" hangingPunct="1">
+    <a:lvl8pPr marL="3200400" algn="l" defTabSz="457200" rtl="0" eaLnBrk="1" latinLnBrk="0" hangingPunct="1">
       <a:defRPr sz="1800" kern="1200">
         <a:solidFill>
           <a:schemeClr val="tx1"/>
@@ -100,7 +97,7 @@
         <a:cs typeface="+mn-cs"/>
       </a:defRPr>
     </a:lvl8pPr>
-    <a:lvl9pPr marL="3657600" algn="l" defTabSz="914400" rtl="0" eaLnBrk="1" latinLnBrk="0" hangingPunct="1">
+    <a:lvl9pPr marL="3657600" algn="l" defTabSz="457200" rtl="0" eaLnBrk="1" latinLnBrk="0" hangingPunct="1">
       <a:defRPr sz="1800" kern="1200">
         <a:solidFill>
           <a:schemeClr val="tx1"/>
@@ -117,356 +114,6 @@
     </p:ext>
   </p:extLst>
 </p:presentation>
-</file>
-
-<file path=ppt/notesMasters/notesMaster1.xml><?xml version="1.0" encoding="utf-8"?>
-<p:notesMaster xmlns:a="http://schemas.openxmlformats.org/drawingml/2006/main" xmlns:r="http://schemas.openxmlformats.org/officeDocument/2006/relationships" xmlns:p="http://schemas.openxmlformats.org/presentationml/2006/main">
-  <p:cSld>
-    <p:bg>
-      <p:bgRef idx="1001">
-        <a:schemeClr val="bg1"/>
-      </p:bgRef>
-    </p:bg>
-    <p:spTree>
-      <p:nvGrpSpPr>
-        <p:cNvPr id="1" name=""/>
-        <p:cNvGrpSpPr/>
-        <p:nvPr/>
-      </p:nvGrpSpPr>
-      <p:grpSpPr>
-        <a:xfrm>
-          <a:off x="0" y="0"/>
-          <a:ext cx="0" cy="0"/>
-          <a:chOff x="0" y="0"/>
-          <a:chExt cx="0" cy="0"/>
-        </a:xfrm>
-      </p:grpSpPr>
-      <p:sp>
-        <p:nvSpPr>
-          <p:cNvPr id="2" name="Верхний колонтитул 1"/>
-          <p:cNvSpPr>
-            <a:spLocks noGrp="1"/>
-          </p:cNvSpPr>
-          <p:nvPr>
-            <p:ph type="hdr" sz="quarter"/>
-          </p:nvPr>
-        </p:nvSpPr>
-        <p:spPr>
-          <a:xfrm>
-            <a:off x="0" y="0"/>
-            <a:ext cx="2971800" cy="458788"/>
-          </a:xfrm>
-          <a:prstGeom prst="rect">
-            <a:avLst/>
-          </a:prstGeom>
-        </p:spPr>
-        <p:txBody>
-          <a:bodyPr vert="horz" lIns="91440" tIns="45720" rIns="91440" bIns="45720" rtlCol="0"/>
-          <a:lstStyle>
-            <a:lvl1pPr algn="l">
-              <a:defRPr sz="1200"/>
-            </a:lvl1pPr>
-          </a:lstStyle>
-          <a:p>
-            <a:endParaRPr lang="ru-RU"/>
-          </a:p>
-        </p:txBody>
-      </p:sp>
-      <p:sp>
-        <p:nvSpPr>
-          <p:cNvPr id="3" name="Дата 2"/>
-          <p:cNvSpPr>
-            <a:spLocks noGrp="1"/>
-          </p:cNvSpPr>
-          <p:nvPr>
-            <p:ph type="dt" idx="1"/>
-          </p:nvPr>
-        </p:nvSpPr>
-        <p:spPr>
-          <a:xfrm>
-            <a:off x="3884613" y="0"/>
-            <a:ext cx="2971800" cy="458788"/>
-          </a:xfrm>
-          <a:prstGeom prst="rect">
-            <a:avLst/>
-          </a:prstGeom>
-        </p:spPr>
-        <p:txBody>
-          <a:bodyPr vert="horz" lIns="91440" tIns="45720" rIns="91440" bIns="45720" rtlCol="0"/>
-          <a:lstStyle>
-            <a:lvl1pPr algn="r">
-              <a:defRPr sz="1200"/>
-            </a:lvl1pPr>
-          </a:lstStyle>
-          <a:p>
-            <a:fld id="{470C2597-37BA-4E93-A112-9B35A660A14A}" type="datetimeFigureOut">
-              <a:rPr lang="ru-RU" smtClean="0"/>
-              <a:t>07.03.2024</a:t>
-            </a:fld>
-            <a:endParaRPr lang="ru-RU"/>
-          </a:p>
-        </p:txBody>
-      </p:sp>
-      <p:sp>
-        <p:nvSpPr>
-          <p:cNvPr id="4" name="Образ слайда 3"/>
-          <p:cNvSpPr>
-            <a:spLocks noGrp="1" noRot="1" noChangeAspect="1"/>
-          </p:cNvSpPr>
-          <p:nvPr>
-            <p:ph type="sldImg" idx="2"/>
-          </p:nvPr>
-        </p:nvSpPr>
-        <p:spPr>
-          <a:xfrm>
-            <a:off x="685800" y="1143000"/>
-            <a:ext cx="5486400" cy="3086100"/>
-          </a:xfrm>
-          <a:prstGeom prst="rect">
-            <a:avLst/>
-          </a:prstGeom>
-          <a:noFill/>
-          <a:ln w="12700">
-            <a:solidFill>
-              <a:prstClr val="black"/>
-            </a:solidFill>
-          </a:ln>
-        </p:spPr>
-        <p:txBody>
-          <a:bodyPr vert="horz" lIns="91440" tIns="45720" rIns="91440" bIns="45720" rtlCol="0" anchor="ctr"/>
-          <a:lstStyle/>
-          <a:p>
-            <a:endParaRPr lang="ru-RU"/>
-          </a:p>
-        </p:txBody>
-      </p:sp>
-      <p:sp>
-        <p:nvSpPr>
-          <p:cNvPr id="5" name="Заметки 4"/>
-          <p:cNvSpPr>
-            <a:spLocks noGrp="1"/>
-          </p:cNvSpPr>
-          <p:nvPr>
-            <p:ph type="body" sz="quarter" idx="3"/>
-          </p:nvPr>
-        </p:nvSpPr>
-        <p:spPr>
-          <a:xfrm>
-            <a:off x="685800" y="4400550"/>
-            <a:ext cx="5486400" cy="3600450"/>
-          </a:xfrm>
-          <a:prstGeom prst="rect">
-            <a:avLst/>
-          </a:prstGeom>
-        </p:spPr>
-        <p:txBody>
-          <a:bodyPr vert="horz" lIns="91440" tIns="45720" rIns="91440" bIns="45720" rtlCol="0"/>
-          <a:lstStyle/>
-          <a:p>
-            <a:pPr lvl="0"/>
-            <a:r>
-              <a:rPr lang="ru-RU" smtClean="0"/>
-              <a:t>Образец текста</a:t>
-            </a:r>
-          </a:p>
-          <a:p>
-            <a:pPr lvl="1"/>
-            <a:r>
-              <a:rPr lang="ru-RU" smtClean="0"/>
-              <a:t>Второй уровень</a:t>
-            </a:r>
-          </a:p>
-          <a:p>
-            <a:pPr lvl="2"/>
-            <a:r>
-              <a:rPr lang="ru-RU" smtClean="0"/>
-              <a:t>Третий уровень</a:t>
-            </a:r>
-          </a:p>
-          <a:p>
-            <a:pPr lvl="3"/>
-            <a:r>
-              <a:rPr lang="ru-RU" smtClean="0"/>
-              <a:t>Четвертый уровень</a:t>
-            </a:r>
-          </a:p>
-          <a:p>
-            <a:pPr lvl="4"/>
-            <a:r>
-              <a:rPr lang="ru-RU" smtClean="0"/>
-              <a:t>Пятый уровень</a:t>
-            </a:r>
-            <a:endParaRPr lang="ru-RU"/>
-          </a:p>
-        </p:txBody>
-      </p:sp>
-      <p:sp>
-        <p:nvSpPr>
-          <p:cNvPr id="6" name="Нижний колонтитул 5"/>
-          <p:cNvSpPr>
-            <a:spLocks noGrp="1"/>
-          </p:cNvSpPr>
-          <p:nvPr>
-            <p:ph type="ftr" sz="quarter" idx="4"/>
-          </p:nvPr>
-        </p:nvSpPr>
-        <p:spPr>
-          <a:xfrm>
-            <a:off x="0" y="8685213"/>
-            <a:ext cx="2971800" cy="458787"/>
-          </a:xfrm>
-          <a:prstGeom prst="rect">
-            <a:avLst/>
-          </a:prstGeom>
-        </p:spPr>
-        <p:txBody>
-          <a:bodyPr vert="horz" lIns="91440" tIns="45720" rIns="91440" bIns="45720" rtlCol="0" anchor="b"/>
-          <a:lstStyle>
-            <a:lvl1pPr algn="l">
-              <a:defRPr sz="1200"/>
-            </a:lvl1pPr>
-          </a:lstStyle>
-          <a:p>
-            <a:endParaRPr lang="ru-RU"/>
-          </a:p>
-        </p:txBody>
-      </p:sp>
-      <p:sp>
-        <p:nvSpPr>
-          <p:cNvPr id="7" name="Номер слайда 6"/>
-          <p:cNvSpPr>
-            <a:spLocks noGrp="1"/>
-          </p:cNvSpPr>
-          <p:nvPr>
-            <p:ph type="sldNum" sz="quarter" idx="5"/>
-          </p:nvPr>
-        </p:nvSpPr>
-        <p:spPr>
-          <a:xfrm>
-            <a:off x="3884613" y="8685213"/>
-            <a:ext cx="2971800" cy="458787"/>
-          </a:xfrm>
-          <a:prstGeom prst="rect">
-            <a:avLst/>
-          </a:prstGeom>
-        </p:spPr>
-        <p:txBody>
-          <a:bodyPr vert="horz" lIns="91440" tIns="45720" rIns="91440" bIns="45720" rtlCol="0" anchor="b"/>
-          <a:lstStyle>
-            <a:lvl1pPr algn="r">
-              <a:defRPr sz="1200"/>
-            </a:lvl1pPr>
-          </a:lstStyle>
-          <a:p>
-            <a:fld id="{75144EA5-7351-4099-8DA3-636B54D58124}" type="slidenum">
-              <a:rPr lang="ru-RU" smtClean="0"/>
-              <a:t>‹#›</a:t>
-            </a:fld>
-            <a:endParaRPr lang="ru-RU"/>
-          </a:p>
-        </p:txBody>
-      </p:sp>
-    </p:spTree>
-    <p:extLst>
-      <p:ext uri="{BB962C8B-B14F-4D97-AF65-F5344CB8AC3E}">
-        <p14:creationId xmlns:p14="http://schemas.microsoft.com/office/powerpoint/2010/main" val="2444872049"/>
-      </p:ext>
-    </p:extLst>
-  </p:cSld>
-  <p:clrMap bg1="lt1" tx1="dk1" bg2="lt2" tx2="dk2" accent1="accent1" accent2="accent2" accent3="accent3" accent4="accent4" accent5="accent5" accent6="accent6" hlink="hlink" folHlink="folHlink"/>
-  <p:notesStyle>
-    <a:lvl1pPr marL="0" algn="l" defTabSz="914400" rtl="0" eaLnBrk="1" latinLnBrk="0" hangingPunct="1">
-      <a:defRPr sz="1200" kern="1200">
-        <a:solidFill>
-          <a:schemeClr val="tx1"/>
-        </a:solidFill>
-        <a:latin typeface="+mn-lt"/>
-        <a:ea typeface="+mn-ea"/>
-        <a:cs typeface="+mn-cs"/>
-      </a:defRPr>
-    </a:lvl1pPr>
-    <a:lvl2pPr marL="457200" algn="l" defTabSz="914400" rtl="0" eaLnBrk="1" latinLnBrk="0" hangingPunct="1">
-      <a:defRPr sz="1200" kern="1200">
-        <a:solidFill>
-          <a:schemeClr val="tx1"/>
-        </a:solidFill>
-        <a:latin typeface="+mn-lt"/>
-        <a:ea typeface="+mn-ea"/>
-        <a:cs typeface="+mn-cs"/>
-      </a:defRPr>
-    </a:lvl2pPr>
-    <a:lvl3pPr marL="914400" algn="l" defTabSz="914400" rtl="0" eaLnBrk="1" latinLnBrk="0" hangingPunct="1">
-      <a:defRPr sz="1200" kern="1200">
-        <a:solidFill>
-          <a:schemeClr val="tx1"/>
-        </a:solidFill>
-        <a:latin typeface="+mn-lt"/>
-        <a:ea typeface="+mn-ea"/>
-        <a:cs typeface="+mn-cs"/>
-      </a:defRPr>
-    </a:lvl3pPr>
-    <a:lvl4pPr marL="1371600" algn="l" defTabSz="914400" rtl="0" eaLnBrk="1" latinLnBrk="0" hangingPunct="1">
-      <a:defRPr sz="1200" kern="1200">
-        <a:solidFill>
-          <a:schemeClr val="tx1"/>
-        </a:solidFill>
-        <a:latin typeface="+mn-lt"/>
-        <a:ea typeface="+mn-ea"/>
-        <a:cs typeface="+mn-cs"/>
-      </a:defRPr>
-    </a:lvl4pPr>
-    <a:lvl5pPr marL="1828800" algn="l" defTabSz="914400" rtl="0" eaLnBrk="1" latinLnBrk="0" hangingPunct="1">
-      <a:defRPr sz="1200" kern="1200">
-        <a:solidFill>
-          <a:schemeClr val="tx1"/>
-        </a:solidFill>
-        <a:latin typeface="+mn-lt"/>
-        <a:ea typeface="+mn-ea"/>
-        <a:cs typeface="+mn-cs"/>
-      </a:defRPr>
-    </a:lvl5pPr>
-    <a:lvl6pPr marL="2286000" algn="l" defTabSz="914400" rtl="0" eaLnBrk="1" latinLnBrk="0" hangingPunct="1">
-      <a:defRPr sz="1200" kern="1200">
-        <a:solidFill>
-          <a:schemeClr val="tx1"/>
-        </a:solidFill>
-        <a:latin typeface="+mn-lt"/>
-        <a:ea typeface="+mn-ea"/>
-        <a:cs typeface="+mn-cs"/>
-      </a:defRPr>
-    </a:lvl6pPr>
-    <a:lvl7pPr marL="2743200" algn="l" defTabSz="914400" rtl="0" eaLnBrk="1" latinLnBrk="0" hangingPunct="1">
-      <a:defRPr sz="1200" kern="1200">
-        <a:solidFill>
-          <a:schemeClr val="tx1"/>
-        </a:solidFill>
-        <a:latin typeface="+mn-lt"/>
-        <a:ea typeface="+mn-ea"/>
-        <a:cs typeface="+mn-cs"/>
-      </a:defRPr>
-    </a:lvl7pPr>
-    <a:lvl8pPr marL="3200400" algn="l" defTabSz="914400" rtl="0" eaLnBrk="1" latinLnBrk="0" hangingPunct="1">
-      <a:defRPr sz="1200" kern="1200">
-        <a:solidFill>
-          <a:schemeClr val="tx1"/>
-        </a:solidFill>
-        <a:latin typeface="+mn-lt"/>
-        <a:ea typeface="+mn-ea"/>
-        <a:cs typeface="+mn-cs"/>
-      </a:defRPr>
-    </a:lvl8pPr>
-    <a:lvl9pPr marL="3657600" algn="l" defTabSz="914400" rtl="0" eaLnBrk="1" latinLnBrk="0" hangingPunct="1">
-      <a:defRPr sz="1200" kern="1200">
-        <a:solidFill>
-          <a:schemeClr val="tx1"/>
-        </a:solidFill>
-        <a:latin typeface="+mn-lt"/>
-        <a:ea typeface="+mn-ea"/>
-        <a:cs typeface="+mn-cs"/>
-      </a:defRPr>
-    </a:lvl9pPr>
-  </p:notesStyle>
-</p:notesMaster>
 </file>
 
 <file path=ppt/slideLayouts/slideLayout1.xml><?xml version="1.0" encoding="utf-8"?>
@@ -511,7 +158,7 @@
           </a:lstStyle>
           <a:p>
             <a:r>
-              <a:rPr lang="ru-RU" smtClean="0"/>
+              <a:rPr lang="ru-RU"/>
               <a:t>Образец заголовка</a:t>
             </a:r>
             <a:endParaRPr lang="en-US" dirty="0"/>
@@ -631,31 +278,31 @@
           </a:lstStyle>
           <a:p>
             <a:r>
+              <a:rPr lang="ru-RU"/>
+              <a:t>Образец подзаголовка</a:t>
+            </a:r>
+            <a:endParaRPr lang="en-US" dirty="0"/>
+          </a:p>
+        </p:txBody>
+      </p:sp>
+      <p:sp>
+        <p:nvSpPr>
+          <p:cNvPr id="4" name="Date Placeholder 3"/>
+          <p:cNvSpPr>
+            <a:spLocks noGrp="1"/>
+          </p:cNvSpPr>
+          <p:nvPr>
+            <p:ph type="dt" sz="half" idx="10"/>
+          </p:nvPr>
+        </p:nvSpPr>
+        <p:spPr/>
+        <p:txBody>
+          <a:bodyPr/>
+          <a:lstStyle/>
+          <a:p>
+            <a:fld id="{9EC640A4-6DE0-4972-B18A-524727C8DCE6}" type="datetimeFigureOut">
               <a:rPr lang="ru-RU" smtClean="0"/>
-              <a:t>Образец подзаголовка</a:t>
-            </a:r>
-            <a:endParaRPr lang="en-US" dirty="0"/>
-          </a:p>
-        </p:txBody>
-      </p:sp>
-      <p:sp>
-        <p:nvSpPr>
-          <p:cNvPr id="4" name="Date Placeholder 3"/>
-          <p:cNvSpPr>
-            <a:spLocks noGrp="1"/>
-          </p:cNvSpPr>
-          <p:nvPr>
-            <p:ph type="dt" sz="half" idx="10"/>
-          </p:nvPr>
-        </p:nvSpPr>
-        <p:spPr/>
-        <p:txBody>
-          <a:bodyPr/>
-          <a:lstStyle/>
-          <a:p>
-            <a:fld id="{C1E533E7-6C81-4003-B849-91F0203598EC}" type="datetimeFigureOut">
-              <a:rPr lang="ru-RU" smtClean="0"/>
-              <a:t>07.03.2024</a:t>
+              <a:t>11.04.2024</a:t>
             </a:fld>
             <a:endParaRPr lang="ru-RU"/>
           </a:p>
@@ -695,7 +342,7 @@
           <a:bodyPr/>
           <a:lstStyle/>
           <a:p>
-            <a:fld id="{A5C34F10-6ABA-4F0E-BB34-D9E8CE71C2A9}" type="slidenum">
+            <a:fld id="{B247E1B1-05C1-4043-AABD-12B3F3DD0E09}" type="slidenum">
               <a:rPr lang="ru-RU" smtClean="0"/>
               <a:t>‹#›</a:t>
             </a:fld>
@@ -706,7 +353,7 @@
     </p:spTree>
     <p:extLst>
       <p:ext uri="{BB962C8B-B14F-4D97-AF65-F5344CB8AC3E}">
-        <p14:creationId xmlns:p14="http://schemas.microsoft.com/office/powerpoint/2010/main" val="2437010691"/>
+        <p14:creationId xmlns:p14="http://schemas.microsoft.com/office/powerpoint/2010/main" val="4228645816"/>
       </p:ext>
     </p:extLst>
   </p:cSld>
@@ -760,7 +407,7 @@
           </a:lstStyle>
           <a:p>
             <a:r>
-              <a:rPr lang="ru-RU" smtClean="0"/>
+              <a:rPr lang="ru-RU"/>
               <a:t>Образец заголовка</a:t>
             </a:r>
             <a:endParaRPr lang="en-US" dirty="0"/>
@@ -839,7 +486,7 @@
           </a:lstStyle>
           <a:p>
             <a:r>
-              <a:rPr lang="ru-RU" smtClean="0"/>
+              <a:rPr lang="ru-RU"/>
               <a:t>Вставка рисунка</a:t>
             </a:r>
             <a:endParaRPr lang="en-US" dirty="0"/>
@@ -907,30 +554,30 @@
           <a:p>
             <a:pPr lvl="0"/>
             <a:r>
+              <a:rPr lang="ru-RU"/>
+              <a:t>Образец текста</a:t>
+            </a:r>
+          </a:p>
+        </p:txBody>
+      </p:sp>
+      <p:sp>
+        <p:nvSpPr>
+          <p:cNvPr id="5" name="Date Placeholder 4"/>
+          <p:cNvSpPr>
+            <a:spLocks noGrp="1"/>
+          </p:cNvSpPr>
+          <p:nvPr>
+            <p:ph type="dt" sz="half" idx="10"/>
+          </p:nvPr>
+        </p:nvSpPr>
+        <p:spPr/>
+        <p:txBody>
+          <a:bodyPr/>
+          <a:lstStyle/>
+          <a:p>
+            <a:fld id="{9EC640A4-6DE0-4972-B18A-524727C8DCE6}" type="datetimeFigureOut">
               <a:rPr lang="ru-RU" smtClean="0"/>
-              <a:t>Образец текста</a:t>
-            </a:r>
-          </a:p>
-        </p:txBody>
-      </p:sp>
-      <p:sp>
-        <p:nvSpPr>
-          <p:cNvPr id="5" name="Date Placeholder 4"/>
-          <p:cNvSpPr>
-            <a:spLocks noGrp="1"/>
-          </p:cNvSpPr>
-          <p:nvPr>
-            <p:ph type="dt" sz="half" idx="10"/>
-          </p:nvPr>
-        </p:nvSpPr>
-        <p:spPr/>
-        <p:txBody>
-          <a:bodyPr/>
-          <a:lstStyle/>
-          <a:p>
-            <a:fld id="{C1E533E7-6C81-4003-B849-91F0203598EC}" type="datetimeFigureOut">
-              <a:rPr lang="ru-RU" smtClean="0"/>
-              <a:t>07.03.2024</a:t>
+              <a:t>11.04.2024</a:t>
             </a:fld>
             <a:endParaRPr lang="ru-RU"/>
           </a:p>
@@ -970,7 +617,7 @@
           <a:bodyPr/>
           <a:lstStyle/>
           <a:p>
-            <a:fld id="{A5C34F10-6ABA-4F0E-BB34-D9E8CE71C2A9}" type="slidenum">
+            <a:fld id="{B247E1B1-05C1-4043-AABD-12B3F3DD0E09}" type="slidenum">
               <a:rPr lang="ru-RU" smtClean="0"/>
               <a:t>‹#›</a:t>
             </a:fld>
@@ -981,7 +628,7 @@
     </p:spTree>
     <p:extLst>
       <p:ext uri="{BB962C8B-B14F-4D97-AF65-F5344CB8AC3E}">
-        <p14:creationId xmlns:p14="http://schemas.microsoft.com/office/powerpoint/2010/main" val="524958984"/>
+        <p14:creationId xmlns:p14="http://schemas.microsoft.com/office/powerpoint/2010/main" val="3960781243"/>
       </p:ext>
     </p:extLst>
   </p:cSld>
@@ -1033,7 +680,7 @@
           </a:lstStyle>
           <a:p>
             <a:r>
-              <a:rPr lang="ru-RU" smtClean="0"/>
+              <a:rPr lang="ru-RU"/>
               <a:t>Образец заголовка</a:t>
             </a:r>
             <a:endParaRPr lang="en-US" dirty="0"/>
@@ -1101,30 +748,30 @@
           <a:p>
             <a:pPr lvl="0"/>
             <a:r>
+              <a:rPr lang="ru-RU"/>
+              <a:t>Образец текста</a:t>
+            </a:r>
+          </a:p>
+        </p:txBody>
+      </p:sp>
+      <p:sp>
+        <p:nvSpPr>
+          <p:cNvPr id="4" name="Date Placeholder 3"/>
+          <p:cNvSpPr>
+            <a:spLocks noGrp="1"/>
+          </p:cNvSpPr>
+          <p:nvPr>
+            <p:ph type="dt" sz="half" idx="10"/>
+          </p:nvPr>
+        </p:nvSpPr>
+        <p:spPr/>
+        <p:txBody>
+          <a:bodyPr/>
+          <a:lstStyle/>
+          <a:p>
+            <a:fld id="{9EC640A4-6DE0-4972-B18A-524727C8DCE6}" type="datetimeFigureOut">
               <a:rPr lang="ru-RU" smtClean="0"/>
-              <a:t>Образец текста</a:t>
-            </a:r>
-          </a:p>
-        </p:txBody>
-      </p:sp>
-      <p:sp>
-        <p:nvSpPr>
-          <p:cNvPr id="4" name="Date Placeholder 3"/>
-          <p:cNvSpPr>
-            <a:spLocks noGrp="1"/>
-          </p:cNvSpPr>
-          <p:nvPr>
-            <p:ph type="dt" sz="half" idx="10"/>
-          </p:nvPr>
-        </p:nvSpPr>
-        <p:spPr/>
-        <p:txBody>
-          <a:bodyPr/>
-          <a:lstStyle/>
-          <a:p>
-            <a:fld id="{C1E533E7-6C81-4003-B849-91F0203598EC}" type="datetimeFigureOut">
-              <a:rPr lang="ru-RU" smtClean="0"/>
-              <a:t>07.03.2024</a:t>
+              <a:t>11.04.2024</a:t>
             </a:fld>
             <a:endParaRPr lang="ru-RU"/>
           </a:p>
@@ -1164,7 +811,7 @@
           <a:bodyPr/>
           <a:lstStyle/>
           <a:p>
-            <a:fld id="{A5C34F10-6ABA-4F0E-BB34-D9E8CE71C2A9}" type="slidenum">
+            <a:fld id="{B247E1B1-05C1-4043-AABD-12B3F3DD0E09}" type="slidenum">
               <a:rPr lang="ru-RU" smtClean="0"/>
               <a:t>‹#›</a:t>
             </a:fld>
@@ -1175,7 +822,7 @@
     </p:spTree>
     <p:extLst>
       <p:ext uri="{BB962C8B-B14F-4D97-AF65-F5344CB8AC3E}">
-        <p14:creationId xmlns:p14="http://schemas.microsoft.com/office/powerpoint/2010/main" val="332472409"/>
+        <p14:creationId xmlns:p14="http://schemas.microsoft.com/office/powerpoint/2010/main" val="3594545593"/>
       </p:ext>
     </p:extLst>
   </p:cSld>
@@ -1227,7 +874,7 @@
           </a:lstStyle>
           <a:p>
             <a:r>
-              <a:rPr lang="ru-RU" smtClean="0"/>
+              <a:rPr lang="ru-RU"/>
               <a:t>Образец заголовка</a:t>
             </a:r>
             <a:endParaRPr lang="en-US" dirty="0"/>
@@ -1307,7 +954,7 @@
               <a:buNone/>
             </a:pPr>
             <a:r>
-              <a:rPr lang="ru-RU" smtClean="0"/>
+              <a:rPr lang="ru-RU"/>
               <a:t>Образец текста</a:t>
             </a:r>
           </a:p>
@@ -1374,30 +1021,30 @@
           <a:p>
             <a:pPr lvl="0"/>
             <a:r>
+              <a:rPr lang="ru-RU"/>
+              <a:t>Образец текста</a:t>
+            </a:r>
+          </a:p>
+        </p:txBody>
+      </p:sp>
+      <p:sp>
+        <p:nvSpPr>
+          <p:cNvPr id="4" name="Date Placeholder 3"/>
+          <p:cNvSpPr>
+            <a:spLocks noGrp="1"/>
+          </p:cNvSpPr>
+          <p:nvPr>
+            <p:ph type="dt" sz="half" idx="10"/>
+          </p:nvPr>
+        </p:nvSpPr>
+        <p:spPr/>
+        <p:txBody>
+          <a:bodyPr/>
+          <a:lstStyle/>
+          <a:p>
+            <a:fld id="{9EC640A4-6DE0-4972-B18A-524727C8DCE6}" type="datetimeFigureOut">
               <a:rPr lang="ru-RU" smtClean="0"/>
-              <a:t>Образец текста</a:t>
-            </a:r>
-          </a:p>
-        </p:txBody>
-      </p:sp>
-      <p:sp>
-        <p:nvSpPr>
-          <p:cNvPr id="4" name="Date Placeholder 3"/>
-          <p:cNvSpPr>
-            <a:spLocks noGrp="1"/>
-          </p:cNvSpPr>
-          <p:nvPr>
-            <p:ph type="dt" sz="half" idx="10"/>
-          </p:nvPr>
-        </p:nvSpPr>
-        <p:spPr/>
-        <p:txBody>
-          <a:bodyPr/>
-          <a:lstStyle/>
-          <a:p>
-            <a:fld id="{C1E533E7-6C81-4003-B849-91F0203598EC}" type="datetimeFigureOut">
-              <a:rPr lang="ru-RU" smtClean="0"/>
-              <a:t>07.03.2024</a:t>
+              <a:t>11.04.2024</a:t>
             </a:fld>
             <a:endParaRPr lang="ru-RU"/>
           </a:p>
@@ -1437,7 +1084,7 @@
           <a:bodyPr/>
           <a:lstStyle/>
           <a:p>
-            <a:fld id="{A5C34F10-6ABA-4F0E-BB34-D9E8CE71C2A9}" type="slidenum">
+            <a:fld id="{B247E1B1-05C1-4043-AABD-12B3F3DD0E09}" type="slidenum">
               <a:rPr lang="ru-RU" smtClean="0"/>
               <a:t>‹#›</a:t>
             </a:fld>
@@ -1542,7 +1189,7 @@
     </p:spTree>
     <p:extLst>
       <p:ext uri="{BB962C8B-B14F-4D97-AF65-F5344CB8AC3E}">
-        <p14:creationId xmlns:p14="http://schemas.microsoft.com/office/powerpoint/2010/main" val="2720727214"/>
+        <p14:creationId xmlns:p14="http://schemas.microsoft.com/office/powerpoint/2010/main" val="3564807760"/>
       </p:ext>
     </p:extLst>
   </p:cSld>
@@ -1594,7 +1241,7 @@
           </a:lstStyle>
           <a:p>
             <a:r>
-              <a:rPr lang="ru-RU" smtClean="0"/>
+              <a:rPr lang="ru-RU"/>
               <a:t>Образец заголовка</a:t>
             </a:r>
             <a:endParaRPr lang="en-US" dirty="0"/>
@@ -1715,30 +1362,30 @@
           <a:p>
             <a:pPr lvl="0"/>
             <a:r>
+              <a:rPr lang="ru-RU"/>
+              <a:t>Образец текста</a:t>
+            </a:r>
+          </a:p>
+        </p:txBody>
+      </p:sp>
+      <p:sp>
+        <p:nvSpPr>
+          <p:cNvPr id="4" name="Date Placeholder 3"/>
+          <p:cNvSpPr>
+            <a:spLocks noGrp="1"/>
+          </p:cNvSpPr>
+          <p:nvPr>
+            <p:ph type="dt" sz="half" idx="10"/>
+          </p:nvPr>
+        </p:nvSpPr>
+        <p:spPr/>
+        <p:txBody>
+          <a:bodyPr/>
+          <a:lstStyle/>
+          <a:p>
+            <a:fld id="{9EC640A4-6DE0-4972-B18A-524727C8DCE6}" type="datetimeFigureOut">
               <a:rPr lang="ru-RU" smtClean="0"/>
-              <a:t>Образец текста</a:t>
-            </a:r>
-          </a:p>
-        </p:txBody>
-      </p:sp>
-      <p:sp>
-        <p:nvSpPr>
-          <p:cNvPr id="4" name="Date Placeholder 3"/>
-          <p:cNvSpPr>
-            <a:spLocks noGrp="1"/>
-          </p:cNvSpPr>
-          <p:nvPr>
-            <p:ph type="dt" sz="half" idx="10"/>
-          </p:nvPr>
-        </p:nvSpPr>
-        <p:spPr/>
-        <p:txBody>
-          <a:bodyPr/>
-          <a:lstStyle/>
-          <a:p>
-            <a:fld id="{C1E533E7-6C81-4003-B849-91F0203598EC}" type="datetimeFigureOut">
-              <a:rPr lang="ru-RU" smtClean="0"/>
-              <a:t>07.03.2024</a:t>
+              <a:t>11.04.2024</a:t>
             </a:fld>
             <a:endParaRPr lang="ru-RU"/>
           </a:p>
@@ -1778,7 +1425,7 @@
           <a:bodyPr/>
           <a:lstStyle/>
           <a:p>
-            <a:fld id="{A5C34F10-6ABA-4F0E-BB34-D9E8CE71C2A9}" type="slidenum">
+            <a:fld id="{B247E1B1-05C1-4043-AABD-12B3F3DD0E09}" type="slidenum">
               <a:rPr lang="ru-RU" smtClean="0"/>
               <a:t>‹#›</a:t>
             </a:fld>
@@ -1789,7 +1436,7 @@
     </p:spTree>
     <p:extLst>
       <p:ext uri="{BB962C8B-B14F-4D97-AF65-F5344CB8AC3E}">
-        <p14:creationId xmlns:p14="http://schemas.microsoft.com/office/powerpoint/2010/main" val="2298562355"/>
+        <p14:creationId xmlns:p14="http://schemas.microsoft.com/office/powerpoint/2010/main" val="3398421436"/>
       </p:ext>
     </p:extLst>
   </p:cSld>
@@ -1836,7 +1483,7 @@
           </a:lstStyle>
           <a:p>
             <a:r>
-              <a:rPr lang="ru-RU" smtClean="0"/>
+              <a:rPr lang="ru-RU"/>
               <a:t>Образец заголовка</a:t>
             </a:r>
             <a:endParaRPr lang="en-US" dirty="0"/>
@@ -1911,7 +1558,7 @@
           <a:p>
             <a:pPr lvl="0"/>
             <a:r>
-              <a:rPr lang="ru-RU" smtClean="0"/>
+              <a:rPr lang="ru-RU"/>
               <a:t>Образец текста</a:t>
             </a:r>
           </a:p>
@@ -1978,7 +1625,7 @@
           <a:p>
             <a:pPr lvl="0"/>
             <a:r>
-              <a:rPr lang="ru-RU" smtClean="0"/>
+              <a:rPr lang="ru-RU"/>
               <a:t>Образец текста</a:t>
             </a:r>
           </a:p>
@@ -2052,7 +1699,7 @@
           <a:p>
             <a:pPr lvl="0"/>
             <a:r>
-              <a:rPr lang="ru-RU" smtClean="0"/>
+              <a:rPr lang="ru-RU"/>
               <a:t>Образец текста</a:t>
             </a:r>
           </a:p>
@@ -2119,7 +1766,7 @@
           <a:p>
             <a:pPr lvl="0"/>
             <a:r>
-              <a:rPr lang="ru-RU" smtClean="0"/>
+              <a:rPr lang="ru-RU"/>
               <a:t>Образец текста</a:t>
             </a:r>
           </a:p>
@@ -2193,7 +1840,7 @@
           <a:p>
             <a:pPr lvl="0"/>
             <a:r>
-              <a:rPr lang="ru-RU" smtClean="0"/>
+              <a:rPr lang="ru-RU"/>
               <a:t>Образец текста</a:t>
             </a:r>
           </a:p>
@@ -2260,7 +1907,7 @@
           <a:p>
             <a:pPr lvl="0"/>
             <a:r>
-              <a:rPr lang="ru-RU" smtClean="0"/>
+              <a:rPr lang="ru-RU"/>
               <a:t>Образец текста</a:t>
             </a:r>
           </a:p>
@@ -2359,9 +2006,9 @@
           <a:bodyPr/>
           <a:lstStyle/>
           <a:p>
-            <a:fld id="{C1E533E7-6C81-4003-B849-91F0203598EC}" type="datetimeFigureOut">
+            <a:fld id="{9EC640A4-6DE0-4972-B18A-524727C8DCE6}" type="datetimeFigureOut">
               <a:rPr lang="ru-RU" smtClean="0"/>
-              <a:t>07.03.2024</a:t>
+              <a:t>11.04.2024</a:t>
             </a:fld>
             <a:endParaRPr lang="ru-RU"/>
           </a:p>
@@ -2401,7 +2048,7 @@
           <a:bodyPr/>
           <a:lstStyle/>
           <a:p>
-            <a:fld id="{A5C34F10-6ABA-4F0E-BB34-D9E8CE71C2A9}" type="slidenum">
+            <a:fld id="{B247E1B1-05C1-4043-AABD-12B3F3DD0E09}" type="slidenum">
               <a:rPr lang="ru-RU" smtClean="0"/>
               <a:t>‹#›</a:t>
             </a:fld>
@@ -2412,7 +2059,7 @@
     </p:spTree>
     <p:extLst>
       <p:ext uri="{BB962C8B-B14F-4D97-AF65-F5344CB8AC3E}">
-        <p14:creationId xmlns:p14="http://schemas.microsoft.com/office/powerpoint/2010/main" val="859755711"/>
+        <p14:creationId xmlns:p14="http://schemas.microsoft.com/office/powerpoint/2010/main" val="1457209435"/>
       </p:ext>
     </p:extLst>
   </p:cSld>
@@ -2459,7 +2106,7 @@
           </a:lstStyle>
           <a:p>
             <a:r>
-              <a:rPr lang="ru-RU" smtClean="0"/>
+              <a:rPr lang="ru-RU"/>
               <a:t>Образец заголовка</a:t>
             </a:r>
             <a:endParaRPr lang="en-US" dirty="0"/>
@@ -2534,7 +2181,7 @@
           <a:p>
             <a:pPr lvl="0"/>
             <a:r>
-              <a:rPr lang="ru-RU" smtClean="0"/>
+              <a:rPr lang="ru-RU"/>
               <a:t>Образец текста</a:t>
             </a:r>
           </a:p>
@@ -2612,7 +2259,7 @@
           </a:lstStyle>
           <a:p>
             <a:r>
-              <a:rPr lang="ru-RU" smtClean="0"/>
+              <a:rPr lang="ru-RU"/>
               <a:t>Вставка рисунка</a:t>
             </a:r>
             <a:endParaRPr lang="en-US" dirty="0"/>
@@ -2680,7 +2327,7 @@
           <a:p>
             <a:pPr lvl="0"/>
             <a:r>
-              <a:rPr lang="ru-RU" smtClean="0"/>
+              <a:rPr lang="ru-RU"/>
               <a:t>Образец текста</a:t>
             </a:r>
           </a:p>
@@ -2754,7 +2401,7 @@
           <a:p>
             <a:pPr lvl="0"/>
             <a:r>
-              <a:rPr lang="ru-RU" smtClean="0"/>
+              <a:rPr lang="ru-RU"/>
               <a:t>Образец текста</a:t>
             </a:r>
           </a:p>
@@ -2832,7 +2479,7 @@
           </a:lstStyle>
           <a:p>
             <a:r>
-              <a:rPr lang="ru-RU" smtClean="0"/>
+              <a:rPr lang="ru-RU"/>
               <a:t>Вставка рисунка</a:t>
             </a:r>
             <a:endParaRPr lang="en-US" dirty="0"/>
@@ -2900,7 +2547,7 @@
           <a:p>
             <a:pPr lvl="0"/>
             <a:r>
-              <a:rPr lang="ru-RU" smtClean="0"/>
+              <a:rPr lang="ru-RU"/>
               <a:t>Образец текста</a:t>
             </a:r>
           </a:p>
@@ -2974,7 +2621,7 @@
           <a:p>
             <a:pPr lvl="0"/>
             <a:r>
-              <a:rPr lang="ru-RU" smtClean="0"/>
+              <a:rPr lang="ru-RU"/>
               <a:t>Образец текста</a:t>
             </a:r>
           </a:p>
@@ -3052,7 +2699,7 @@
           </a:lstStyle>
           <a:p>
             <a:r>
-              <a:rPr lang="ru-RU" smtClean="0"/>
+              <a:rPr lang="ru-RU"/>
               <a:t>Вставка рисунка</a:t>
             </a:r>
             <a:endParaRPr lang="en-US" dirty="0"/>
@@ -3120,7 +2767,7 @@
           <a:p>
             <a:pPr lvl="0"/>
             <a:r>
-              <a:rPr lang="ru-RU" smtClean="0"/>
+              <a:rPr lang="ru-RU"/>
               <a:t>Образец текста</a:t>
             </a:r>
           </a:p>
@@ -3219,9 +2866,9 @@
           <a:bodyPr/>
           <a:lstStyle/>
           <a:p>
-            <a:fld id="{C1E533E7-6C81-4003-B849-91F0203598EC}" type="datetimeFigureOut">
+            <a:fld id="{9EC640A4-6DE0-4972-B18A-524727C8DCE6}" type="datetimeFigureOut">
               <a:rPr lang="ru-RU" smtClean="0"/>
-              <a:t>07.03.2024</a:t>
+              <a:t>11.04.2024</a:t>
             </a:fld>
             <a:endParaRPr lang="ru-RU"/>
           </a:p>
@@ -3261,7 +2908,7 @@
           <a:bodyPr/>
           <a:lstStyle/>
           <a:p>
-            <a:fld id="{A5C34F10-6ABA-4F0E-BB34-D9E8CE71C2A9}" type="slidenum">
+            <a:fld id="{B247E1B1-05C1-4043-AABD-12B3F3DD0E09}" type="slidenum">
               <a:rPr lang="ru-RU" smtClean="0"/>
               <a:t>‹#›</a:t>
             </a:fld>
@@ -3272,7 +2919,7 @@
     </p:spTree>
     <p:extLst>
       <p:ext uri="{BB962C8B-B14F-4D97-AF65-F5344CB8AC3E}">
-        <p14:creationId xmlns:p14="http://schemas.microsoft.com/office/powerpoint/2010/main" val="3102297604"/>
+        <p14:creationId xmlns:p14="http://schemas.microsoft.com/office/powerpoint/2010/main" val="3672987143"/>
       </p:ext>
     </p:extLst>
   </p:cSld>
@@ -3315,83 +2962,83 @@
           <a:lstStyle/>
           <a:p>
             <a:r>
+              <a:rPr lang="ru-RU"/>
+              <a:t>Образец заголовка</a:t>
+            </a:r>
+            <a:endParaRPr lang="en-US" dirty="0"/>
+          </a:p>
+        </p:txBody>
+      </p:sp>
+      <p:sp>
+        <p:nvSpPr>
+          <p:cNvPr id="3" name="Vertical Text Placeholder 2"/>
+          <p:cNvSpPr>
+            <a:spLocks noGrp="1"/>
+          </p:cNvSpPr>
+          <p:nvPr>
+            <p:ph type="body" orient="vert" idx="1"/>
+          </p:nvPr>
+        </p:nvSpPr>
+        <p:spPr/>
+        <p:txBody>
+          <a:bodyPr vert="eaVert" anchor="t" anchorCtr="0"/>
+          <a:lstStyle/>
+          <a:p>
+            <a:pPr lvl="0"/>
+            <a:r>
+              <a:rPr lang="ru-RU"/>
+              <a:t>Образец текста</a:t>
+            </a:r>
+          </a:p>
+          <a:p>
+            <a:pPr lvl="1"/>
+            <a:r>
+              <a:rPr lang="ru-RU"/>
+              <a:t>Второй уровень</a:t>
+            </a:r>
+          </a:p>
+          <a:p>
+            <a:pPr lvl="2"/>
+            <a:r>
+              <a:rPr lang="ru-RU"/>
+              <a:t>Третий уровень</a:t>
+            </a:r>
+          </a:p>
+          <a:p>
+            <a:pPr lvl="3"/>
+            <a:r>
+              <a:rPr lang="ru-RU"/>
+              <a:t>Четвертый уровень</a:t>
+            </a:r>
+          </a:p>
+          <a:p>
+            <a:pPr lvl="4"/>
+            <a:r>
+              <a:rPr lang="ru-RU"/>
+              <a:t>Пятый уровень</a:t>
+            </a:r>
+            <a:endParaRPr lang="en-US" dirty="0"/>
+          </a:p>
+        </p:txBody>
+      </p:sp>
+      <p:sp>
+        <p:nvSpPr>
+          <p:cNvPr id="4" name="Date Placeholder 3"/>
+          <p:cNvSpPr>
+            <a:spLocks noGrp="1"/>
+          </p:cNvSpPr>
+          <p:nvPr>
+            <p:ph type="dt" sz="half" idx="10"/>
+          </p:nvPr>
+        </p:nvSpPr>
+        <p:spPr/>
+        <p:txBody>
+          <a:bodyPr/>
+          <a:lstStyle/>
+          <a:p>
+            <a:fld id="{9EC640A4-6DE0-4972-B18A-524727C8DCE6}" type="datetimeFigureOut">
               <a:rPr lang="ru-RU" smtClean="0"/>
-              <a:t>Образец заголовка</a:t>
-            </a:r>
-            <a:endParaRPr lang="en-US" dirty="0"/>
-          </a:p>
-        </p:txBody>
-      </p:sp>
-      <p:sp>
-        <p:nvSpPr>
-          <p:cNvPr id="3" name="Vertical Text Placeholder 2"/>
-          <p:cNvSpPr>
-            <a:spLocks noGrp="1"/>
-          </p:cNvSpPr>
-          <p:nvPr>
-            <p:ph type="body" orient="vert" idx="1"/>
-          </p:nvPr>
-        </p:nvSpPr>
-        <p:spPr/>
-        <p:txBody>
-          <a:bodyPr vert="eaVert" anchor="t" anchorCtr="0"/>
-          <a:lstStyle/>
-          <a:p>
-            <a:pPr lvl="0"/>
-            <a:r>
-              <a:rPr lang="ru-RU" smtClean="0"/>
-              <a:t>Образец текста</a:t>
-            </a:r>
-          </a:p>
-          <a:p>
-            <a:pPr lvl="1"/>
-            <a:r>
-              <a:rPr lang="ru-RU" smtClean="0"/>
-              <a:t>Второй уровень</a:t>
-            </a:r>
-          </a:p>
-          <a:p>
-            <a:pPr lvl="2"/>
-            <a:r>
-              <a:rPr lang="ru-RU" smtClean="0"/>
-              <a:t>Третий уровень</a:t>
-            </a:r>
-          </a:p>
-          <a:p>
-            <a:pPr lvl="3"/>
-            <a:r>
-              <a:rPr lang="ru-RU" smtClean="0"/>
-              <a:t>Четвертый уровень</a:t>
-            </a:r>
-          </a:p>
-          <a:p>
-            <a:pPr lvl="4"/>
-            <a:r>
-              <a:rPr lang="ru-RU" smtClean="0"/>
-              <a:t>Пятый уровень</a:t>
-            </a:r>
-            <a:endParaRPr lang="en-US" dirty="0"/>
-          </a:p>
-        </p:txBody>
-      </p:sp>
-      <p:sp>
-        <p:nvSpPr>
-          <p:cNvPr id="4" name="Date Placeholder 3"/>
-          <p:cNvSpPr>
-            <a:spLocks noGrp="1"/>
-          </p:cNvSpPr>
-          <p:nvPr>
-            <p:ph type="dt" sz="half" idx="10"/>
-          </p:nvPr>
-        </p:nvSpPr>
-        <p:spPr/>
-        <p:txBody>
-          <a:bodyPr/>
-          <a:lstStyle/>
-          <a:p>
-            <a:fld id="{C1E533E7-6C81-4003-B849-91F0203598EC}" type="datetimeFigureOut">
-              <a:rPr lang="ru-RU" smtClean="0"/>
-              <a:t>07.03.2024</a:t>
+              <a:t>11.04.2024</a:t>
             </a:fld>
             <a:endParaRPr lang="ru-RU"/>
           </a:p>
@@ -3431,7 +3078,7 @@
           <a:bodyPr/>
           <a:lstStyle/>
           <a:p>
-            <a:fld id="{A5C34F10-6ABA-4F0E-BB34-D9E8CE71C2A9}" type="slidenum">
+            <a:fld id="{B247E1B1-05C1-4043-AABD-12B3F3DD0E09}" type="slidenum">
               <a:rPr lang="ru-RU" smtClean="0"/>
               <a:t>‹#›</a:t>
             </a:fld>
@@ -3442,7 +3089,7 @@
     </p:spTree>
     <p:extLst>
       <p:ext uri="{BB962C8B-B14F-4D97-AF65-F5344CB8AC3E}">
-        <p14:creationId xmlns:p14="http://schemas.microsoft.com/office/powerpoint/2010/main" val="3150155962"/>
+        <p14:creationId xmlns:p14="http://schemas.microsoft.com/office/powerpoint/2010/main" val="273728028"/>
       </p:ext>
     </p:extLst>
   </p:cSld>
@@ -3490,7 +3137,7 @@
           <a:lstStyle/>
           <a:p>
             <a:r>
-              <a:rPr lang="ru-RU" smtClean="0"/>
+              <a:rPr lang="ru-RU"/>
               <a:t>Образец заголовка</a:t>
             </a:r>
             <a:endParaRPr lang="en-US" dirty="0"/>
@@ -3519,59 +3166,59 @@
           <a:p>
             <a:pPr lvl="0"/>
             <a:r>
+              <a:rPr lang="ru-RU"/>
+              <a:t>Образец текста</a:t>
+            </a:r>
+          </a:p>
+          <a:p>
+            <a:pPr lvl="1"/>
+            <a:r>
+              <a:rPr lang="ru-RU"/>
+              <a:t>Второй уровень</a:t>
+            </a:r>
+          </a:p>
+          <a:p>
+            <a:pPr lvl="2"/>
+            <a:r>
+              <a:rPr lang="ru-RU"/>
+              <a:t>Третий уровень</a:t>
+            </a:r>
+          </a:p>
+          <a:p>
+            <a:pPr lvl="3"/>
+            <a:r>
+              <a:rPr lang="ru-RU"/>
+              <a:t>Четвертый уровень</a:t>
+            </a:r>
+          </a:p>
+          <a:p>
+            <a:pPr lvl="4"/>
+            <a:r>
+              <a:rPr lang="ru-RU"/>
+              <a:t>Пятый уровень</a:t>
+            </a:r>
+            <a:endParaRPr lang="en-US" dirty="0"/>
+          </a:p>
+        </p:txBody>
+      </p:sp>
+      <p:sp>
+        <p:nvSpPr>
+          <p:cNvPr id="4" name="Date Placeholder 3"/>
+          <p:cNvSpPr>
+            <a:spLocks noGrp="1"/>
+          </p:cNvSpPr>
+          <p:nvPr>
+            <p:ph type="dt" sz="half" idx="10"/>
+          </p:nvPr>
+        </p:nvSpPr>
+        <p:spPr/>
+        <p:txBody>
+          <a:bodyPr/>
+          <a:lstStyle/>
+          <a:p>
+            <a:fld id="{9EC640A4-6DE0-4972-B18A-524727C8DCE6}" type="datetimeFigureOut">
               <a:rPr lang="ru-RU" smtClean="0"/>
-              <a:t>Образец текста</a:t>
-            </a:r>
-          </a:p>
-          <a:p>
-            <a:pPr lvl="1"/>
-            <a:r>
-              <a:rPr lang="ru-RU" smtClean="0"/>
-              <a:t>Второй уровень</a:t>
-            </a:r>
-          </a:p>
-          <a:p>
-            <a:pPr lvl="2"/>
-            <a:r>
-              <a:rPr lang="ru-RU" smtClean="0"/>
-              <a:t>Третий уровень</a:t>
-            </a:r>
-          </a:p>
-          <a:p>
-            <a:pPr lvl="3"/>
-            <a:r>
-              <a:rPr lang="ru-RU" smtClean="0"/>
-              <a:t>Четвертый уровень</a:t>
-            </a:r>
-          </a:p>
-          <a:p>
-            <a:pPr lvl="4"/>
-            <a:r>
-              <a:rPr lang="ru-RU" smtClean="0"/>
-              <a:t>Пятый уровень</a:t>
-            </a:r>
-            <a:endParaRPr lang="en-US" dirty="0"/>
-          </a:p>
-        </p:txBody>
-      </p:sp>
-      <p:sp>
-        <p:nvSpPr>
-          <p:cNvPr id="4" name="Date Placeholder 3"/>
-          <p:cNvSpPr>
-            <a:spLocks noGrp="1"/>
-          </p:cNvSpPr>
-          <p:nvPr>
-            <p:ph type="dt" sz="half" idx="10"/>
-          </p:nvPr>
-        </p:nvSpPr>
-        <p:spPr/>
-        <p:txBody>
-          <a:bodyPr/>
-          <a:lstStyle/>
-          <a:p>
-            <a:fld id="{C1E533E7-6C81-4003-B849-91F0203598EC}" type="datetimeFigureOut">
-              <a:rPr lang="ru-RU" smtClean="0"/>
-              <a:t>07.03.2024</a:t>
+              <a:t>11.04.2024</a:t>
             </a:fld>
             <a:endParaRPr lang="ru-RU"/>
           </a:p>
@@ -3611,7 +3258,7 @@
           <a:bodyPr/>
           <a:lstStyle/>
           <a:p>
-            <a:fld id="{A5C34F10-6ABA-4F0E-BB34-D9E8CE71C2A9}" type="slidenum">
+            <a:fld id="{B247E1B1-05C1-4043-AABD-12B3F3DD0E09}" type="slidenum">
               <a:rPr lang="ru-RU" smtClean="0"/>
               <a:t>‹#›</a:t>
             </a:fld>
@@ -3622,7 +3269,7 @@
     </p:spTree>
     <p:extLst>
       <p:ext uri="{BB962C8B-B14F-4D97-AF65-F5344CB8AC3E}">
-        <p14:creationId xmlns:p14="http://schemas.microsoft.com/office/powerpoint/2010/main" val="3396593401"/>
+        <p14:creationId xmlns:p14="http://schemas.microsoft.com/office/powerpoint/2010/main" val="3704042394"/>
       </p:ext>
     </p:extLst>
   </p:cSld>
@@ -3665,83 +3312,83 @@
           <a:lstStyle/>
           <a:p>
             <a:r>
+              <a:rPr lang="ru-RU"/>
+              <a:t>Образец заголовка</a:t>
+            </a:r>
+            <a:endParaRPr lang="en-US" dirty="0"/>
+          </a:p>
+        </p:txBody>
+      </p:sp>
+      <p:sp>
+        <p:nvSpPr>
+          <p:cNvPr id="3" name="Content Placeholder 2"/>
+          <p:cNvSpPr>
+            <a:spLocks noGrp="1"/>
+          </p:cNvSpPr>
+          <p:nvPr>
+            <p:ph idx="1"/>
+          </p:nvPr>
+        </p:nvSpPr>
+        <p:spPr/>
+        <p:txBody>
+          <a:bodyPr/>
+          <a:lstStyle/>
+          <a:p>
+            <a:pPr lvl="0"/>
+            <a:r>
+              <a:rPr lang="ru-RU"/>
+              <a:t>Образец текста</a:t>
+            </a:r>
+          </a:p>
+          <a:p>
+            <a:pPr lvl="1"/>
+            <a:r>
+              <a:rPr lang="ru-RU"/>
+              <a:t>Второй уровень</a:t>
+            </a:r>
+          </a:p>
+          <a:p>
+            <a:pPr lvl="2"/>
+            <a:r>
+              <a:rPr lang="ru-RU"/>
+              <a:t>Третий уровень</a:t>
+            </a:r>
+          </a:p>
+          <a:p>
+            <a:pPr lvl="3"/>
+            <a:r>
+              <a:rPr lang="ru-RU"/>
+              <a:t>Четвертый уровень</a:t>
+            </a:r>
+          </a:p>
+          <a:p>
+            <a:pPr lvl="4"/>
+            <a:r>
+              <a:rPr lang="ru-RU"/>
+              <a:t>Пятый уровень</a:t>
+            </a:r>
+            <a:endParaRPr lang="en-US" dirty="0"/>
+          </a:p>
+        </p:txBody>
+      </p:sp>
+      <p:sp>
+        <p:nvSpPr>
+          <p:cNvPr id="7" name="Date Placeholder 3"/>
+          <p:cNvSpPr>
+            <a:spLocks noGrp="1"/>
+          </p:cNvSpPr>
+          <p:nvPr>
+            <p:ph type="dt" sz="half" idx="10"/>
+          </p:nvPr>
+        </p:nvSpPr>
+        <p:spPr/>
+        <p:txBody>
+          <a:bodyPr/>
+          <a:lstStyle/>
+          <a:p>
+            <a:fld id="{9EC640A4-6DE0-4972-B18A-524727C8DCE6}" type="datetimeFigureOut">
               <a:rPr lang="ru-RU" smtClean="0"/>
-              <a:t>Образец заголовка</a:t>
-            </a:r>
-            <a:endParaRPr lang="en-US" dirty="0"/>
-          </a:p>
-        </p:txBody>
-      </p:sp>
-      <p:sp>
-        <p:nvSpPr>
-          <p:cNvPr id="3" name="Content Placeholder 2"/>
-          <p:cNvSpPr>
-            <a:spLocks noGrp="1"/>
-          </p:cNvSpPr>
-          <p:nvPr>
-            <p:ph idx="1"/>
-          </p:nvPr>
-        </p:nvSpPr>
-        <p:spPr/>
-        <p:txBody>
-          <a:bodyPr/>
-          <a:lstStyle/>
-          <a:p>
-            <a:pPr lvl="0"/>
-            <a:r>
-              <a:rPr lang="ru-RU" smtClean="0"/>
-              <a:t>Образец текста</a:t>
-            </a:r>
-          </a:p>
-          <a:p>
-            <a:pPr lvl="1"/>
-            <a:r>
-              <a:rPr lang="ru-RU" smtClean="0"/>
-              <a:t>Второй уровень</a:t>
-            </a:r>
-          </a:p>
-          <a:p>
-            <a:pPr lvl="2"/>
-            <a:r>
-              <a:rPr lang="ru-RU" smtClean="0"/>
-              <a:t>Третий уровень</a:t>
-            </a:r>
-          </a:p>
-          <a:p>
-            <a:pPr lvl="3"/>
-            <a:r>
-              <a:rPr lang="ru-RU" smtClean="0"/>
-              <a:t>Четвертый уровень</a:t>
-            </a:r>
-          </a:p>
-          <a:p>
-            <a:pPr lvl="4"/>
-            <a:r>
-              <a:rPr lang="ru-RU" smtClean="0"/>
-              <a:t>Пятый уровень</a:t>
-            </a:r>
-            <a:endParaRPr lang="en-US" dirty="0"/>
-          </a:p>
-        </p:txBody>
-      </p:sp>
-      <p:sp>
-        <p:nvSpPr>
-          <p:cNvPr id="7" name="Date Placeholder 3"/>
-          <p:cNvSpPr>
-            <a:spLocks noGrp="1"/>
-          </p:cNvSpPr>
-          <p:nvPr>
-            <p:ph type="dt" sz="half" idx="10"/>
-          </p:nvPr>
-        </p:nvSpPr>
-        <p:spPr/>
-        <p:txBody>
-          <a:bodyPr/>
-          <a:lstStyle/>
-          <a:p>
-            <a:fld id="{C1E533E7-6C81-4003-B849-91F0203598EC}" type="datetimeFigureOut">
-              <a:rPr lang="ru-RU" smtClean="0"/>
-              <a:t>07.03.2024</a:t>
+              <a:t>11.04.2024</a:t>
             </a:fld>
             <a:endParaRPr lang="ru-RU"/>
           </a:p>
@@ -3781,7 +3428,7 @@
           <a:bodyPr/>
           <a:lstStyle/>
           <a:p>
-            <a:fld id="{A5C34F10-6ABA-4F0E-BB34-D9E8CE71C2A9}" type="slidenum">
+            <a:fld id="{B247E1B1-05C1-4043-AABD-12B3F3DD0E09}" type="slidenum">
               <a:rPr lang="ru-RU" smtClean="0"/>
               <a:t>‹#›</a:t>
             </a:fld>
@@ -3792,7 +3439,7 @@
     </p:spTree>
     <p:extLst>
       <p:ext uri="{BB962C8B-B14F-4D97-AF65-F5344CB8AC3E}">
-        <p14:creationId xmlns:p14="http://schemas.microsoft.com/office/powerpoint/2010/main" val="3720971929"/>
+        <p14:creationId xmlns:p14="http://schemas.microsoft.com/office/powerpoint/2010/main" val="699691043"/>
       </p:ext>
     </p:extLst>
   </p:cSld>
@@ -3844,7 +3491,7 @@
           </a:lstStyle>
           <a:p>
             <a:r>
-              <a:rPr lang="ru-RU" smtClean="0"/>
+              <a:rPr lang="ru-RU"/>
               <a:t>Образец заголовка</a:t>
             </a:r>
             <a:endParaRPr lang="en-US" dirty="0"/>
@@ -3965,30 +3612,30 @@
           <a:p>
             <a:pPr lvl="0"/>
             <a:r>
+              <a:rPr lang="ru-RU"/>
+              <a:t>Образец текста</a:t>
+            </a:r>
+          </a:p>
+        </p:txBody>
+      </p:sp>
+      <p:sp>
+        <p:nvSpPr>
+          <p:cNvPr id="4" name="Date Placeholder 3"/>
+          <p:cNvSpPr>
+            <a:spLocks noGrp="1"/>
+          </p:cNvSpPr>
+          <p:nvPr>
+            <p:ph type="dt" sz="half" idx="10"/>
+          </p:nvPr>
+        </p:nvSpPr>
+        <p:spPr/>
+        <p:txBody>
+          <a:bodyPr/>
+          <a:lstStyle/>
+          <a:p>
+            <a:fld id="{9EC640A4-6DE0-4972-B18A-524727C8DCE6}" type="datetimeFigureOut">
               <a:rPr lang="ru-RU" smtClean="0"/>
-              <a:t>Образец текста</a:t>
-            </a:r>
-          </a:p>
-        </p:txBody>
-      </p:sp>
-      <p:sp>
-        <p:nvSpPr>
-          <p:cNvPr id="4" name="Date Placeholder 3"/>
-          <p:cNvSpPr>
-            <a:spLocks noGrp="1"/>
-          </p:cNvSpPr>
-          <p:nvPr>
-            <p:ph type="dt" sz="half" idx="10"/>
-          </p:nvPr>
-        </p:nvSpPr>
-        <p:spPr/>
-        <p:txBody>
-          <a:bodyPr/>
-          <a:lstStyle/>
-          <a:p>
-            <a:fld id="{C1E533E7-6C81-4003-B849-91F0203598EC}" type="datetimeFigureOut">
-              <a:rPr lang="ru-RU" smtClean="0"/>
-              <a:t>07.03.2024</a:t>
+              <a:t>11.04.2024</a:t>
             </a:fld>
             <a:endParaRPr lang="ru-RU"/>
           </a:p>
@@ -4028,7 +3675,7 @@
           <a:bodyPr/>
           <a:lstStyle/>
           <a:p>
-            <a:fld id="{A5C34F10-6ABA-4F0E-BB34-D9E8CE71C2A9}" type="slidenum">
+            <a:fld id="{B247E1B1-05C1-4043-AABD-12B3F3DD0E09}" type="slidenum">
               <a:rPr lang="ru-RU" smtClean="0"/>
               <a:t>‹#›</a:t>
             </a:fld>
@@ -4039,7 +3686,7 @@
     </p:spTree>
     <p:extLst>
       <p:ext uri="{BB962C8B-B14F-4D97-AF65-F5344CB8AC3E}">
-        <p14:creationId xmlns:p14="http://schemas.microsoft.com/office/powerpoint/2010/main" val="4149884979"/>
+        <p14:creationId xmlns:p14="http://schemas.microsoft.com/office/powerpoint/2010/main" val="2241963106"/>
       </p:ext>
     </p:extLst>
   </p:cSld>
@@ -4082,7 +3729,7 @@
           <a:lstStyle/>
           <a:p>
             <a:r>
-              <a:rPr lang="ru-RU" smtClean="0"/>
+              <a:rPr lang="ru-RU"/>
               <a:t>Образец заголовка</a:t>
             </a:r>
             <a:endParaRPr lang="en-US" dirty="0"/>
@@ -4141,35 +3788,35 @@
           <a:p>
             <a:pPr lvl="0"/>
             <a:r>
-              <a:rPr lang="ru-RU" smtClean="0"/>
+              <a:rPr lang="ru-RU"/>
               <a:t>Образец текста</a:t>
             </a:r>
           </a:p>
           <a:p>
             <a:pPr lvl="1"/>
             <a:r>
-              <a:rPr lang="ru-RU" smtClean="0"/>
+              <a:rPr lang="ru-RU"/>
               <a:t>Второй уровень</a:t>
             </a:r>
           </a:p>
           <a:p>
             <a:pPr lvl="2"/>
             <a:r>
-              <a:rPr lang="ru-RU" smtClean="0"/>
+              <a:rPr lang="ru-RU"/>
               <a:t>Третий уровень</a:t>
             </a:r>
           </a:p>
           <a:p>
             <a:pPr lvl="3"/>
             <a:r>
-              <a:rPr lang="ru-RU" smtClean="0"/>
+              <a:rPr lang="ru-RU"/>
               <a:t>Четвертый уровень</a:t>
             </a:r>
           </a:p>
           <a:p>
             <a:pPr lvl="4"/>
             <a:r>
-              <a:rPr lang="ru-RU" smtClean="0"/>
+              <a:rPr lang="ru-RU"/>
               <a:t>Пятый уровень</a:t>
             </a:r>
             <a:endParaRPr lang="en-US" dirty="0"/>
@@ -4228,59 +3875,59 @@
           <a:p>
             <a:pPr lvl="0"/>
             <a:r>
+              <a:rPr lang="ru-RU"/>
+              <a:t>Образец текста</a:t>
+            </a:r>
+          </a:p>
+          <a:p>
+            <a:pPr lvl="1"/>
+            <a:r>
+              <a:rPr lang="ru-RU"/>
+              <a:t>Второй уровень</a:t>
+            </a:r>
+          </a:p>
+          <a:p>
+            <a:pPr lvl="2"/>
+            <a:r>
+              <a:rPr lang="ru-RU"/>
+              <a:t>Третий уровень</a:t>
+            </a:r>
+          </a:p>
+          <a:p>
+            <a:pPr lvl="3"/>
+            <a:r>
+              <a:rPr lang="ru-RU"/>
+              <a:t>Четвертый уровень</a:t>
+            </a:r>
+          </a:p>
+          <a:p>
+            <a:pPr lvl="4"/>
+            <a:r>
+              <a:rPr lang="ru-RU"/>
+              <a:t>Пятый уровень</a:t>
+            </a:r>
+            <a:endParaRPr lang="en-US" dirty="0"/>
+          </a:p>
+        </p:txBody>
+      </p:sp>
+      <p:sp>
+        <p:nvSpPr>
+          <p:cNvPr id="5" name="Date Placeholder 4"/>
+          <p:cNvSpPr>
+            <a:spLocks noGrp="1"/>
+          </p:cNvSpPr>
+          <p:nvPr>
+            <p:ph type="dt" sz="half" idx="10"/>
+          </p:nvPr>
+        </p:nvSpPr>
+        <p:spPr/>
+        <p:txBody>
+          <a:bodyPr/>
+          <a:lstStyle/>
+          <a:p>
+            <a:fld id="{9EC640A4-6DE0-4972-B18A-524727C8DCE6}" type="datetimeFigureOut">
               <a:rPr lang="ru-RU" smtClean="0"/>
-              <a:t>Образец текста</a:t>
-            </a:r>
-          </a:p>
-          <a:p>
-            <a:pPr lvl="1"/>
-            <a:r>
-              <a:rPr lang="ru-RU" smtClean="0"/>
-              <a:t>Второй уровень</a:t>
-            </a:r>
-          </a:p>
-          <a:p>
-            <a:pPr lvl="2"/>
-            <a:r>
-              <a:rPr lang="ru-RU" smtClean="0"/>
-              <a:t>Третий уровень</a:t>
-            </a:r>
-          </a:p>
-          <a:p>
-            <a:pPr lvl="3"/>
-            <a:r>
-              <a:rPr lang="ru-RU" smtClean="0"/>
-              <a:t>Четвертый уровень</a:t>
-            </a:r>
-          </a:p>
-          <a:p>
-            <a:pPr lvl="4"/>
-            <a:r>
-              <a:rPr lang="ru-RU" smtClean="0"/>
-              <a:t>Пятый уровень</a:t>
-            </a:r>
-            <a:endParaRPr lang="en-US" dirty="0"/>
-          </a:p>
-        </p:txBody>
-      </p:sp>
-      <p:sp>
-        <p:nvSpPr>
-          <p:cNvPr id="5" name="Date Placeholder 4"/>
-          <p:cNvSpPr>
-            <a:spLocks noGrp="1"/>
-          </p:cNvSpPr>
-          <p:nvPr>
-            <p:ph type="dt" sz="half" idx="10"/>
-          </p:nvPr>
-        </p:nvSpPr>
-        <p:spPr/>
-        <p:txBody>
-          <a:bodyPr/>
-          <a:lstStyle/>
-          <a:p>
-            <a:fld id="{C1E533E7-6C81-4003-B849-91F0203598EC}" type="datetimeFigureOut">
-              <a:rPr lang="ru-RU" smtClean="0"/>
-              <a:t>07.03.2024</a:t>
+              <a:t>11.04.2024</a:t>
             </a:fld>
             <a:endParaRPr lang="ru-RU"/>
           </a:p>
@@ -4320,7 +3967,7 @@
           <a:bodyPr/>
           <a:lstStyle/>
           <a:p>
-            <a:fld id="{A5C34F10-6ABA-4F0E-BB34-D9E8CE71C2A9}" type="slidenum">
+            <a:fld id="{B247E1B1-05C1-4043-AABD-12B3F3DD0E09}" type="slidenum">
               <a:rPr lang="ru-RU" smtClean="0"/>
               <a:t>‹#›</a:t>
             </a:fld>
@@ -4331,7 +3978,7 @@
     </p:spTree>
     <p:extLst>
       <p:ext uri="{BB962C8B-B14F-4D97-AF65-F5344CB8AC3E}">
-        <p14:creationId xmlns:p14="http://schemas.microsoft.com/office/powerpoint/2010/main" val="393446938"/>
+        <p14:creationId xmlns:p14="http://schemas.microsoft.com/office/powerpoint/2010/main" val="283144216"/>
       </p:ext>
     </p:extLst>
   </p:cSld>
@@ -4378,7 +4025,7 @@
           </a:lstStyle>
           <a:p>
             <a:r>
-              <a:rPr lang="ru-RU" smtClean="0"/>
+              <a:rPr lang="ru-RU"/>
               <a:t>Образец заголовка</a:t>
             </a:r>
             <a:endParaRPr lang="en-US" dirty="0"/>
@@ -4453,7 +4100,7 @@
           <a:p>
             <a:pPr lvl="0"/>
             <a:r>
-              <a:rPr lang="ru-RU" smtClean="0"/>
+              <a:rPr lang="ru-RU"/>
               <a:t>Образец текста</a:t>
             </a:r>
           </a:p>
@@ -4511,35 +4158,35 @@
           <a:p>
             <a:pPr lvl="0"/>
             <a:r>
-              <a:rPr lang="ru-RU" smtClean="0"/>
+              <a:rPr lang="ru-RU"/>
               <a:t>Образец текста</a:t>
             </a:r>
           </a:p>
           <a:p>
             <a:pPr lvl="1"/>
             <a:r>
-              <a:rPr lang="ru-RU" smtClean="0"/>
+              <a:rPr lang="ru-RU"/>
               <a:t>Второй уровень</a:t>
             </a:r>
           </a:p>
           <a:p>
             <a:pPr lvl="2"/>
             <a:r>
-              <a:rPr lang="ru-RU" smtClean="0"/>
+              <a:rPr lang="ru-RU"/>
               <a:t>Третий уровень</a:t>
             </a:r>
           </a:p>
           <a:p>
             <a:pPr lvl="3"/>
             <a:r>
-              <a:rPr lang="ru-RU" smtClean="0"/>
+              <a:rPr lang="ru-RU"/>
               <a:t>Четвертый уровень</a:t>
             </a:r>
           </a:p>
           <a:p>
             <a:pPr lvl="4"/>
             <a:r>
-              <a:rPr lang="ru-RU" smtClean="0"/>
+              <a:rPr lang="ru-RU"/>
               <a:t>Пятый уровень</a:t>
             </a:r>
             <a:endParaRPr lang="en-US" dirty="0"/>
@@ -4614,7 +4261,7 @@
           <a:p>
             <a:pPr lvl="0"/>
             <a:r>
-              <a:rPr lang="ru-RU" smtClean="0"/>
+              <a:rPr lang="ru-RU"/>
               <a:t>Образец текста</a:t>
             </a:r>
           </a:p>
@@ -4672,59 +4319,59 @@
           <a:p>
             <a:pPr lvl="0"/>
             <a:r>
+              <a:rPr lang="ru-RU"/>
+              <a:t>Образец текста</a:t>
+            </a:r>
+          </a:p>
+          <a:p>
+            <a:pPr lvl="1"/>
+            <a:r>
+              <a:rPr lang="ru-RU"/>
+              <a:t>Второй уровень</a:t>
+            </a:r>
+          </a:p>
+          <a:p>
+            <a:pPr lvl="2"/>
+            <a:r>
+              <a:rPr lang="ru-RU"/>
+              <a:t>Третий уровень</a:t>
+            </a:r>
+          </a:p>
+          <a:p>
+            <a:pPr lvl="3"/>
+            <a:r>
+              <a:rPr lang="ru-RU"/>
+              <a:t>Четвертый уровень</a:t>
+            </a:r>
+          </a:p>
+          <a:p>
+            <a:pPr lvl="4"/>
+            <a:r>
+              <a:rPr lang="ru-RU"/>
+              <a:t>Пятый уровень</a:t>
+            </a:r>
+            <a:endParaRPr lang="en-US" dirty="0"/>
+          </a:p>
+        </p:txBody>
+      </p:sp>
+      <p:sp>
+        <p:nvSpPr>
+          <p:cNvPr id="7" name="Date Placeholder 6"/>
+          <p:cNvSpPr>
+            <a:spLocks noGrp="1"/>
+          </p:cNvSpPr>
+          <p:nvPr>
+            <p:ph type="dt" sz="half" idx="10"/>
+          </p:nvPr>
+        </p:nvSpPr>
+        <p:spPr/>
+        <p:txBody>
+          <a:bodyPr/>
+          <a:lstStyle/>
+          <a:p>
+            <a:fld id="{9EC640A4-6DE0-4972-B18A-524727C8DCE6}" type="datetimeFigureOut">
               <a:rPr lang="ru-RU" smtClean="0"/>
-              <a:t>Образец текста</a:t>
-            </a:r>
-          </a:p>
-          <a:p>
-            <a:pPr lvl="1"/>
-            <a:r>
-              <a:rPr lang="ru-RU" smtClean="0"/>
-              <a:t>Второй уровень</a:t>
-            </a:r>
-          </a:p>
-          <a:p>
-            <a:pPr lvl="2"/>
-            <a:r>
-              <a:rPr lang="ru-RU" smtClean="0"/>
-              <a:t>Третий уровень</a:t>
-            </a:r>
-          </a:p>
-          <a:p>
-            <a:pPr lvl="3"/>
-            <a:r>
-              <a:rPr lang="ru-RU" smtClean="0"/>
-              <a:t>Четвертый уровень</a:t>
-            </a:r>
-          </a:p>
-          <a:p>
-            <a:pPr lvl="4"/>
-            <a:r>
-              <a:rPr lang="ru-RU" smtClean="0"/>
-              <a:t>Пятый уровень</a:t>
-            </a:r>
-            <a:endParaRPr lang="en-US" dirty="0"/>
-          </a:p>
-        </p:txBody>
-      </p:sp>
-      <p:sp>
-        <p:nvSpPr>
-          <p:cNvPr id="7" name="Date Placeholder 6"/>
-          <p:cNvSpPr>
-            <a:spLocks noGrp="1"/>
-          </p:cNvSpPr>
-          <p:nvPr>
-            <p:ph type="dt" sz="half" idx="10"/>
-          </p:nvPr>
-        </p:nvSpPr>
-        <p:spPr/>
-        <p:txBody>
-          <a:bodyPr/>
-          <a:lstStyle/>
-          <a:p>
-            <a:fld id="{C1E533E7-6C81-4003-B849-91F0203598EC}" type="datetimeFigureOut">
-              <a:rPr lang="ru-RU" smtClean="0"/>
-              <a:t>07.03.2024</a:t>
+              <a:t>11.04.2024</a:t>
             </a:fld>
             <a:endParaRPr lang="ru-RU"/>
           </a:p>
@@ -4764,7 +4411,7 @@
           <a:bodyPr/>
           <a:lstStyle/>
           <a:p>
-            <a:fld id="{A5C34F10-6ABA-4F0E-BB34-D9E8CE71C2A9}" type="slidenum">
+            <a:fld id="{B247E1B1-05C1-4043-AABD-12B3F3DD0E09}" type="slidenum">
               <a:rPr lang="ru-RU" smtClean="0"/>
               <a:t>‹#›</a:t>
             </a:fld>
@@ -4775,7 +4422,7 @@
     </p:spTree>
     <p:extLst>
       <p:ext uri="{BB962C8B-B14F-4D97-AF65-F5344CB8AC3E}">
-        <p14:creationId xmlns:p14="http://schemas.microsoft.com/office/powerpoint/2010/main" val="3939033018"/>
+        <p14:creationId xmlns:p14="http://schemas.microsoft.com/office/powerpoint/2010/main" val="257096854"/>
       </p:ext>
     </p:extLst>
   </p:cSld>
@@ -4818,31 +4465,31 @@
           <a:lstStyle/>
           <a:p>
             <a:r>
+              <a:rPr lang="ru-RU"/>
+              <a:t>Образец заголовка</a:t>
+            </a:r>
+            <a:endParaRPr lang="en-US" dirty="0"/>
+          </a:p>
+        </p:txBody>
+      </p:sp>
+      <p:sp>
+        <p:nvSpPr>
+          <p:cNvPr id="7" name="Date Placeholder 2"/>
+          <p:cNvSpPr>
+            <a:spLocks noGrp="1"/>
+          </p:cNvSpPr>
+          <p:nvPr>
+            <p:ph type="dt" sz="half" idx="10"/>
+          </p:nvPr>
+        </p:nvSpPr>
+        <p:spPr/>
+        <p:txBody>
+          <a:bodyPr/>
+          <a:lstStyle/>
+          <a:p>
+            <a:fld id="{9EC640A4-6DE0-4972-B18A-524727C8DCE6}" type="datetimeFigureOut">
               <a:rPr lang="ru-RU" smtClean="0"/>
-              <a:t>Образец заголовка</a:t>
-            </a:r>
-            <a:endParaRPr lang="en-US" dirty="0"/>
-          </a:p>
-        </p:txBody>
-      </p:sp>
-      <p:sp>
-        <p:nvSpPr>
-          <p:cNvPr id="7" name="Date Placeholder 2"/>
-          <p:cNvSpPr>
-            <a:spLocks noGrp="1"/>
-          </p:cNvSpPr>
-          <p:nvPr>
-            <p:ph type="dt" sz="half" idx="10"/>
-          </p:nvPr>
-        </p:nvSpPr>
-        <p:spPr/>
-        <p:txBody>
-          <a:bodyPr/>
-          <a:lstStyle/>
-          <a:p>
-            <a:fld id="{C1E533E7-6C81-4003-B849-91F0203598EC}" type="datetimeFigureOut">
-              <a:rPr lang="ru-RU" smtClean="0"/>
-              <a:t>07.03.2024</a:t>
+              <a:t>11.04.2024</a:t>
             </a:fld>
             <a:endParaRPr lang="ru-RU"/>
           </a:p>
@@ -4882,7 +4529,7 @@
           <a:bodyPr/>
           <a:lstStyle/>
           <a:p>
-            <a:fld id="{A5C34F10-6ABA-4F0E-BB34-D9E8CE71C2A9}" type="slidenum">
+            <a:fld id="{B247E1B1-05C1-4043-AABD-12B3F3DD0E09}" type="slidenum">
               <a:rPr lang="ru-RU" smtClean="0"/>
               <a:t>‹#›</a:t>
             </a:fld>
@@ -4893,7 +4540,7 @@
     </p:spTree>
     <p:extLst>
       <p:ext uri="{BB962C8B-B14F-4D97-AF65-F5344CB8AC3E}">
-        <p14:creationId xmlns:p14="http://schemas.microsoft.com/office/powerpoint/2010/main" val="347294707"/>
+        <p14:creationId xmlns:p14="http://schemas.microsoft.com/office/powerpoint/2010/main" val="1529971613"/>
       </p:ext>
     </p:extLst>
   </p:cSld>
@@ -4935,9 +4582,9 @@
           <a:bodyPr/>
           <a:lstStyle/>
           <a:p>
-            <a:fld id="{C1E533E7-6C81-4003-B849-91F0203598EC}" type="datetimeFigureOut">
+            <a:fld id="{9EC640A4-6DE0-4972-B18A-524727C8DCE6}" type="datetimeFigureOut">
               <a:rPr lang="ru-RU" smtClean="0"/>
-              <a:t>07.03.2024</a:t>
+              <a:t>11.04.2024</a:t>
             </a:fld>
             <a:endParaRPr lang="ru-RU"/>
           </a:p>
@@ -4977,7 +4624,7 @@
           <a:bodyPr/>
           <a:lstStyle/>
           <a:p>
-            <a:fld id="{A5C34F10-6ABA-4F0E-BB34-D9E8CE71C2A9}" type="slidenum">
+            <a:fld id="{B247E1B1-05C1-4043-AABD-12B3F3DD0E09}" type="slidenum">
               <a:rPr lang="ru-RU" smtClean="0"/>
               <a:t>‹#›</a:t>
             </a:fld>
@@ -4988,7 +4635,7 @@
     </p:spTree>
     <p:extLst>
       <p:ext uri="{BB962C8B-B14F-4D97-AF65-F5344CB8AC3E}">
-        <p14:creationId xmlns:p14="http://schemas.microsoft.com/office/powerpoint/2010/main" val="3431036254"/>
+        <p14:creationId xmlns:p14="http://schemas.microsoft.com/office/powerpoint/2010/main" val="3844067256"/>
       </p:ext>
     </p:extLst>
   </p:cSld>
@@ -5040,7 +4687,7 @@
           </a:lstStyle>
           <a:p>
             <a:r>
-              <a:rPr lang="ru-RU" smtClean="0"/>
+              <a:rPr lang="ru-RU"/>
               <a:t>Образец заголовка</a:t>
             </a:r>
             <a:endParaRPr lang="en-US" dirty="0"/>
@@ -5099,35 +4746,35 @@
           <a:p>
             <a:pPr lvl="0"/>
             <a:r>
-              <a:rPr lang="ru-RU" smtClean="0"/>
+              <a:rPr lang="ru-RU"/>
               <a:t>Образец текста</a:t>
             </a:r>
           </a:p>
           <a:p>
             <a:pPr lvl="1"/>
             <a:r>
-              <a:rPr lang="ru-RU" smtClean="0"/>
+              <a:rPr lang="ru-RU"/>
               <a:t>Второй уровень</a:t>
             </a:r>
           </a:p>
           <a:p>
             <a:pPr lvl="2"/>
             <a:r>
-              <a:rPr lang="ru-RU" smtClean="0"/>
+              <a:rPr lang="ru-RU"/>
               <a:t>Третий уровень</a:t>
             </a:r>
           </a:p>
           <a:p>
             <a:pPr lvl="3"/>
             <a:r>
-              <a:rPr lang="ru-RU" smtClean="0"/>
+              <a:rPr lang="ru-RU"/>
               <a:t>Четвертый уровень</a:t>
             </a:r>
           </a:p>
           <a:p>
             <a:pPr lvl="4"/>
             <a:r>
-              <a:rPr lang="ru-RU" smtClean="0"/>
+              <a:rPr lang="ru-RU"/>
               <a:t>Пятый уровень</a:t>
             </a:r>
             <a:endParaRPr lang="en-US" dirty="0"/>
@@ -5193,30 +4840,30 @@
           <a:p>
             <a:pPr lvl="0"/>
             <a:r>
+              <a:rPr lang="ru-RU"/>
+              <a:t>Образец текста</a:t>
+            </a:r>
+          </a:p>
+        </p:txBody>
+      </p:sp>
+      <p:sp>
+        <p:nvSpPr>
+          <p:cNvPr id="7" name="Date Placeholder 4"/>
+          <p:cNvSpPr>
+            <a:spLocks noGrp="1"/>
+          </p:cNvSpPr>
+          <p:nvPr>
+            <p:ph type="dt" sz="half" idx="10"/>
+          </p:nvPr>
+        </p:nvSpPr>
+        <p:spPr/>
+        <p:txBody>
+          <a:bodyPr/>
+          <a:lstStyle/>
+          <a:p>
+            <a:fld id="{9EC640A4-6DE0-4972-B18A-524727C8DCE6}" type="datetimeFigureOut">
               <a:rPr lang="ru-RU" smtClean="0"/>
-              <a:t>Образец текста</a:t>
-            </a:r>
-          </a:p>
-        </p:txBody>
-      </p:sp>
-      <p:sp>
-        <p:nvSpPr>
-          <p:cNvPr id="7" name="Date Placeholder 4"/>
-          <p:cNvSpPr>
-            <a:spLocks noGrp="1"/>
-          </p:cNvSpPr>
-          <p:nvPr>
-            <p:ph type="dt" sz="half" idx="10"/>
-          </p:nvPr>
-        </p:nvSpPr>
-        <p:spPr/>
-        <p:txBody>
-          <a:bodyPr/>
-          <a:lstStyle/>
-          <a:p>
-            <a:fld id="{C1E533E7-6C81-4003-B849-91F0203598EC}" type="datetimeFigureOut">
-              <a:rPr lang="ru-RU" smtClean="0"/>
-              <a:t>07.03.2024</a:t>
+              <a:t>11.04.2024</a:t>
             </a:fld>
             <a:endParaRPr lang="ru-RU"/>
           </a:p>
@@ -5256,7 +4903,7 @@
           <a:bodyPr/>
           <a:lstStyle/>
           <a:p>
-            <a:fld id="{A5C34F10-6ABA-4F0E-BB34-D9E8CE71C2A9}" type="slidenum">
+            <a:fld id="{B247E1B1-05C1-4043-AABD-12B3F3DD0E09}" type="slidenum">
               <a:rPr lang="ru-RU" smtClean="0"/>
               <a:t>‹#›</a:t>
             </a:fld>
@@ -5267,7 +4914,7 @@
     </p:spTree>
     <p:extLst>
       <p:ext uri="{BB962C8B-B14F-4D97-AF65-F5344CB8AC3E}">
-        <p14:creationId xmlns:p14="http://schemas.microsoft.com/office/powerpoint/2010/main" val="2591633826"/>
+        <p14:creationId xmlns:p14="http://schemas.microsoft.com/office/powerpoint/2010/main" val="3138108127"/>
       </p:ext>
     </p:extLst>
   </p:cSld>
@@ -5321,7 +4968,7 @@
           </a:lstStyle>
           <a:p>
             <a:r>
-              <a:rPr lang="ru-RU" smtClean="0"/>
+              <a:rPr lang="ru-RU"/>
               <a:t>Образец заголовка</a:t>
             </a:r>
             <a:endParaRPr lang="en-US" dirty="0"/>
@@ -5400,7 +5047,7 @@
           </a:lstStyle>
           <a:p>
             <a:r>
-              <a:rPr lang="ru-RU" smtClean="0"/>
+              <a:rPr lang="ru-RU"/>
               <a:t>Вставка рисунка</a:t>
             </a:r>
             <a:endParaRPr lang="en-US" dirty="0"/>
@@ -5468,30 +5115,30 @@
           <a:p>
             <a:pPr lvl="0"/>
             <a:r>
+              <a:rPr lang="ru-RU"/>
+              <a:t>Образец текста</a:t>
+            </a:r>
+          </a:p>
+        </p:txBody>
+      </p:sp>
+      <p:sp>
+        <p:nvSpPr>
+          <p:cNvPr id="5" name="Date Placeholder 4"/>
+          <p:cNvSpPr>
+            <a:spLocks noGrp="1"/>
+          </p:cNvSpPr>
+          <p:nvPr>
+            <p:ph type="dt" sz="half" idx="10"/>
+          </p:nvPr>
+        </p:nvSpPr>
+        <p:spPr/>
+        <p:txBody>
+          <a:bodyPr/>
+          <a:lstStyle/>
+          <a:p>
+            <a:fld id="{9EC640A4-6DE0-4972-B18A-524727C8DCE6}" type="datetimeFigureOut">
               <a:rPr lang="ru-RU" smtClean="0"/>
-              <a:t>Образец текста</a:t>
-            </a:r>
-          </a:p>
-        </p:txBody>
-      </p:sp>
-      <p:sp>
-        <p:nvSpPr>
-          <p:cNvPr id="5" name="Date Placeholder 4"/>
-          <p:cNvSpPr>
-            <a:spLocks noGrp="1"/>
-          </p:cNvSpPr>
-          <p:nvPr>
-            <p:ph type="dt" sz="half" idx="10"/>
-          </p:nvPr>
-        </p:nvSpPr>
-        <p:spPr/>
-        <p:txBody>
-          <a:bodyPr/>
-          <a:lstStyle/>
-          <a:p>
-            <a:fld id="{C1E533E7-6C81-4003-B849-91F0203598EC}" type="datetimeFigureOut">
-              <a:rPr lang="ru-RU" smtClean="0"/>
-              <a:t>07.03.2024</a:t>
+              <a:t>11.04.2024</a:t>
             </a:fld>
             <a:endParaRPr lang="ru-RU"/>
           </a:p>
@@ -5531,7 +5178,7 @@
           <a:bodyPr/>
           <a:lstStyle/>
           <a:p>
-            <a:fld id="{A5C34F10-6ABA-4F0E-BB34-D9E8CE71C2A9}" type="slidenum">
+            <a:fld id="{B247E1B1-05C1-4043-AABD-12B3F3DD0E09}" type="slidenum">
               <a:rPr lang="ru-RU" smtClean="0"/>
               <a:t>‹#›</a:t>
             </a:fld>
@@ -5542,7 +5189,7 @@
     </p:spTree>
     <p:extLst>
       <p:ext uri="{BB962C8B-B14F-4D97-AF65-F5344CB8AC3E}">
-        <p14:creationId xmlns:p14="http://schemas.microsoft.com/office/powerpoint/2010/main" val="1106121987"/>
+        <p14:creationId xmlns:p14="http://schemas.microsoft.com/office/powerpoint/2010/main" val="3223174224"/>
       </p:ext>
     </p:extLst>
   </p:cSld>
@@ -5815,7 +5462,7 @@
           <a:lstStyle/>
           <a:p>
             <a:r>
-              <a:rPr lang="ru-RU" smtClean="0"/>
+              <a:rPr lang="ru-RU"/>
               <a:t>Образец заголовка</a:t>
             </a:r>
             <a:endParaRPr lang="en-US" dirty="0"/>
@@ -5849,35 +5496,35 @@
           <a:p>
             <a:pPr lvl="0"/>
             <a:r>
-              <a:rPr lang="ru-RU" smtClean="0"/>
+              <a:rPr lang="ru-RU"/>
               <a:t>Образец текста</a:t>
             </a:r>
           </a:p>
           <a:p>
             <a:pPr lvl="1"/>
             <a:r>
-              <a:rPr lang="ru-RU" smtClean="0"/>
+              <a:rPr lang="ru-RU"/>
               <a:t>Второй уровень</a:t>
             </a:r>
           </a:p>
           <a:p>
             <a:pPr lvl="2"/>
             <a:r>
-              <a:rPr lang="ru-RU" smtClean="0"/>
+              <a:rPr lang="ru-RU"/>
               <a:t>Третий уровень</a:t>
             </a:r>
           </a:p>
           <a:p>
             <a:pPr lvl="3"/>
             <a:r>
-              <a:rPr lang="ru-RU" smtClean="0"/>
+              <a:rPr lang="ru-RU"/>
               <a:t>Четвертый уровень</a:t>
             </a:r>
           </a:p>
           <a:p>
             <a:pPr lvl="4"/>
             <a:r>
-              <a:rPr lang="ru-RU" smtClean="0"/>
+              <a:rPr lang="ru-RU"/>
               <a:t>Пятый уровень</a:t>
             </a:r>
             <a:endParaRPr lang="en-US" dirty="0"/>
@@ -5918,9 +5565,9 @@
             </a:lvl1pPr>
           </a:lstStyle>
           <a:p>
-            <a:fld id="{C1E533E7-6C81-4003-B849-91F0203598EC}" type="datetimeFigureOut">
+            <a:fld id="{9EC640A4-6DE0-4972-B18A-524727C8DCE6}" type="datetimeFigureOut">
               <a:rPr lang="ru-RU" smtClean="0"/>
-              <a:t>07.03.2024</a:t>
+              <a:t>11.04.2024</a:t>
             </a:fld>
             <a:endParaRPr lang="ru-RU"/>
           </a:p>
@@ -5997,7 +5644,7 @@
             </a:lvl1pPr>
           </a:lstStyle>
           <a:p>
-            <a:fld id="{A5C34F10-6ABA-4F0E-BB34-D9E8CE71C2A9}" type="slidenum">
+            <a:fld id="{B247E1B1-05C1-4043-AABD-12B3F3DD0E09}" type="slidenum">
               <a:rPr lang="ru-RU" smtClean="0"/>
               <a:t>‹#›</a:t>
             </a:fld>
@@ -6008,7 +5655,7 @@
     </p:spTree>
     <p:extLst>
       <p:ext uri="{BB962C8B-B14F-4D97-AF65-F5344CB8AC3E}">
-        <p14:creationId xmlns:p14="http://schemas.microsoft.com/office/powerpoint/2010/main" val="2951289827"/>
+        <p14:creationId xmlns:p14="http://schemas.microsoft.com/office/powerpoint/2010/main" val="1837352180"/>
       </p:ext>
     </p:extLst>
   </p:cSld>
@@ -6450,7 +6097,13 @@
       </p:grpSpPr>
       <p:sp>
         <p:nvSpPr>
-          <p:cNvPr id="2" name="Заголовок 1"/>
+          <p:cNvPr id="2" name="Заголовок 1">
+            <a:extLst>
+              <a:ext uri="{FF2B5EF4-FFF2-40B4-BE49-F238E27FC236}">
+                <a16:creationId xmlns:a16="http://schemas.microsoft.com/office/drawing/2014/main" id="{0C97CB59-289F-49BE-A04F-1E6E41BDAA9C}"/>
+              </a:ext>
+            </a:extLst>
+          </p:cNvPr>
           <p:cNvSpPr>
             <a:spLocks noGrp="1"/>
           </p:cNvSpPr>
@@ -6464,31 +6117,31 @@
           <a:lstStyle/>
           <a:p>
             <a:r>
-              <a:rPr lang="en-US" dirty="0" smtClean="0">
+              <a:rPr lang="en-US" dirty="0">
                 <a:hlinkClick r:id="rId2" action="ppaction://hlinksldjump"/>
               </a:rPr>
               <a:t>“</a:t>
             </a:r>
             <a:r>
-              <a:rPr lang="en-US" dirty="0" err="1" smtClean="0">
+              <a:rPr lang="en-US" dirty="0" err="1">
                 <a:hlinkClick r:id="rId2" action="ppaction://hlinksldjump"/>
               </a:rPr>
-              <a:t>Asd</a:t>
-            </a:r>
-            <a:r>
-              <a:rPr lang="en-US" dirty="0" smtClean="0">
+              <a:t>adfghasfg</a:t>
+            </a:r>
+            <a:r>
+              <a:rPr lang="en-US" dirty="0">
                 <a:hlinkClick r:id="rId2" action="ppaction://hlinksldjump"/>
               </a:rPr>
               <a:t> </a:t>
             </a:r>
             <a:r>
-              <a:rPr lang="en-US" dirty="0" err="1" smtClean="0">
+              <a:rPr lang="en-US" dirty="0" err="1">
                 <a:hlinkClick r:id="rId2" action="ppaction://hlinksldjump"/>
               </a:rPr>
-              <a:t>asdkk</a:t>
-            </a:r>
-            <a:r>
-              <a:rPr lang="en-US" dirty="0" smtClean="0">
+              <a:t>sdfgg</a:t>
+            </a:r>
+            <a:r>
+              <a:rPr lang="en-US" dirty="0">
                 <a:hlinkClick r:id="rId2" action="ppaction://hlinksldjump"/>
               </a:rPr>
               <a:t>”</a:t>
@@ -6499,7 +6152,13 @@
       </p:sp>
       <p:sp>
         <p:nvSpPr>
-          <p:cNvPr id="3" name="Подзаголовок 2"/>
+          <p:cNvPr id="3" name="Подзаголовок 2">
+            <a:extLst>
+              <a:ext uri="{FF2B5EF4-FFF2-40B4-BE49-F238E27FC236}">
+                <a16:creationId xmlns:a16="http://schemas.microsoft.com/office/drawing/2014/main" id="{000AC669-FFD3-4F41-9555-9A81DF48AA6C}"/>
+              </a:ext>
+            </a:extLst>
+          </p:cNvPr>
           <p:cNvSpPr>
             <a:spLocks noGrp="1"/>
           </p:cNvSpPr>
@@ -6512,10 +6171,6 @@
           <a:bodyPr/>
           <a:lstStyle/>
           <a:p>
-            <a:r>
-              <a:rPr lang="en-US" dirty="0" err="1" smtClean="0"/>
-              <a:t>sss</a:t>
-            </a:r>
             <a:endParaRPr lang="ru-RU" dirty="0"/>
           </a:p>
         </p:txBody>
@@ -6523,20 +6178,13 @@
     </p:spTree>
     <p:extLst>
       <p:ext uri="{BB962C8B-B14F-4D97-AF65-F5344CB8AC3E}">
-        <p14:creationId xmlns:p14="http://schemas.microsoft.com/office/powerpoint/2010/main" val="3952491854"/>
+        <p14:creationId xmlns:p14="http://schemas.microsoft.com/office/powerpoint/2010/main" val="1884853443"/>
       </p:ext>
     </p:extLst>
   </p:cSld>
   <p:clrMapOvr>
     <a:masterClrMapping/>
   </p:clrMapOvr>
-  <p:timing>
-    <p:tnLst>
-      <p:par>
-        <p:cTn id="1" dur="indefinite" restart="never" nodeType="tmRoot"/>
-      </p:par>
-    </p:tnLst>
-  </p:timing>
 </p:sld>
 </file>
 
@@ -6559,7 +6207,13 @@
       </p:grpSpPr>
       <p:sp>
         <p:nvSpPr>
-          <p:cNvPr id="2" name="Заголовок 1"/>
+          <p:cNvPr id="2" name="Заголовок 1">
+            <a:extLst>
+              <a:ext uri="{FF2B5EF4-FFF2-40B4-BE49-F238E27FC236}">
+                <a16:creationId xmlns:a16="http://schemas.microsoft.com/office/drawing/2014/main" id="{E462D42B-8B7A-4FCA-B015-7D412A22958A}"/>
+              </a:ext>
+            </a:extLst>
+          </p:cNvPr>
           <p:cNvSpPr>
             <a:spLocks noGrp="1"/>
           </p:cNvSpPr>
@@ -6572,16 +6226,15 @@
           <a:bodyPr/>
           <a:lstStyle/>
           <a:p>
-            <a:pPr algn="ctr"/>
-            <a:r>
-              <a:rPr lang="en-US" dirty="0" smtClean="0">
+            <a:r>
+              <a:rPr lang="en-US" dirty="0">
                 <a:hlinkClick r:id="rId2" action="ppaction://hlinksldjump"/>
               </a:rPr>
-              <a:t>A</a:t>
-            </a:r>
-            <a:r>
-              <a:rPr lang="en-US" dirty="0" smtClean="0"/>
-              <a:t>AAAAAAAAAAAAAAAAAA</a:t>
+              <a:t>SFG</a:t>
+            </a:r>
+            <a:r>
+              <a:rPr lang="en-US" dirty="0"/>
+              <a:t>HSFGHSFH</a:t>
             </a:r>
             <a:endParaRPr lang="ru-RU" dirty="0"/>
           </a:p>
@@ -6589,7 +6242,13 @@
       </p:sp>
       <p:sp>
         <p:nvSpPr>
-          <p:cNvPr id="3" name="Объект 2"/>
+          <p:cNvPr id="3" name="Объект 2">
+            <a:extLst>
+              <a:ext uri="{FF2B5EF4-FFF2-40B4-BE49-F238E27FC236}">
+                <a16:creationId xmlns:a16="http://schemas.microsoft.com/office/drawing/2014/main" id="{BF74EDF3-67B9-4C8C-87FD-040E00F19FDD}"/>
+              </a:ext>
+            </a:extLst>
+          </p:cNvPr>
           <p:cNvSpPr>
             <a:spLocks noGrp="1"/>
           </p:cNvSpPr>
@@ -6603,10 +6262,8 @@
           <a:lstStyle/>
           <a:p>
             <a:r>
-              <a:rPr lang="en-US" dirty="0" smtClean="0">
-                <a:hlinkClick r:id="rId2" action="ppaction://hlinksldjump"/>
-              </a:rPr>
-              <a:t>fdgdgsgsdfg</a:t>
+              <a:rPr lang="en-US" dirty="0"/>
+              <a:t>FGHSGH</a:t>
             </a:r>
             <a:endParaRPr lang="ru-RU" dirty="0"/>
           </a:p>
@@ -6615,20 +6272,13 @@
     </p:spTree>
     <p:extLst>
       <p:ext uri="{BB962C8B-B14F-4D97-AF65-F5344CB8AC3E}">
-        <p14:creationId xmlns:p14="http://schemas.microsoft.com/office/powerpoint/2010/main" val="1443976650"/>
+        <p14:creationId xmlns:p14="http://schemas.microsoft.com/office/powerpoint/2010/main" val="909736170"/>
       </p:ext>
     </p:extLst>
   </p:cSld>
   <p:clrMapOvr>
     <a:masterClrMapping/>
   </p:clrMapOvr>
-  <p:timing>
-    <p:tnLst>
-      <p:par>
-        <p:cTn id="1" dur="indefinite" restart="never" nodeType="tmRoot"/>
-      </p:par>
-    </p:tnLst>
-  </p:timing>
 </p:sld>
 </file>
 
@@ -6651,7 +6301,13 @@
       </p:grpSpPr>
       <p:sp>
         <p:nvSpPr>
-          <p:cNvPr id="2" name="Заголовок 1"/>
+          <p:cNvPr id="2" name="Заголовок 1">
+            <a:extLst>
+              <a:ext uri="{FF2B5EF4-FFF2-40B4-BE49-F238E27FC236}">
+                <a16:creationId xmlns:a16="http://schemas.microsoft.com/office/drawing/2014/main" id="{F571AB59-69CA-4A97-9EAA-C7FA9281B714}"/>
+              </a:ext>
+            </a:extLst>
+          </p:cNvPr>
           <p:cNvSpPr>
             <a:spLocks noGrp="1"/>
           </p:cNvSpPr>
@@ -6664,12 +6320,23 @@
           <a:bodyPr/>
           <a:lstStyle/>
           <a:p>
-            <a:pPr algn="ctr"/>
-            <a:r>
-              <a:rPr lang="en-US" dirty="0" smtClean="0">
+            <a:r>
+              <a:rPr lang="en-US" dirty="0">
                 <a:hlinkClick r:id="rId2" action="ppaction://hlinksldjump"/>
               </a:rPr>
-              <a:t>GDFSSGGFDGFFGGFS</a:t>
+              <a:t>“</a:t>
+            </a:r>
+            <a:r>
+              <a:rPr lang="en-US">
+                <a:hlinkClick r:id="rId2" action="ppaction://hlinksldjump"/>
+              </a:rPr>
+              <a:t>adfg adfg23123</a:t>
+            </a:r>
+            <a:r>
+              <a:rPr lang="en-US" dirty="0">
+                <a:hlinkClick r:id="rId2" action="ppaction://hlinksldjump"/>
+              </a:rPr>
+              <a:t>”</a:t>
             </a:r>
             <a:endParaRPr lang="ru-RU" dirty="0"/>
           </a:p>
@@ -6677,7 +6344,13 @@
       </p:sp>
       <p:sp>
         <p:nvSpPr>
-          <p:cNvPr id="3" name="Объект 2"/>
+          <p:cNvPr id="3" name="Объект 2">
+            <a:extLst>
+              <a:ext uri="{FF2B5EF4-FFF2-40B4-BE49-F238E27FC236}">
+                <a16:creationId xmlns:a16="http://schemas.microsoft.com/office/drawing/2014/main" id="{94E3EE41-8D4F-4838-825B-94DABF478F77}"/>
+              </a:ext>
+            </a:extLst>
+          </p:cNvPr>
           <p:cNvSpPr>
             <a:spLocks noGrp="1"/>
           </p:cNvSpPr>
@@ -6691,8 +6364,37 @@
           <a:lstStyle/>
           <a:p>
             <a:r>
-              <a:rPr lang="en-US" dirty="0" err="1" smtClean="0"/>
-              <a:t>sgfhsfgh</a:t>
+              <a:rPr lang="en-US" dirty="0" err="1"/>
+              <a:t>SFGHSFGHsfg</a:t>
+            </a:r>
+            <a:r>
+              <a:rPr lang="en-US" dirty="0"/>
+              <a:t> </a:t>
+            </a:r>
+            <a:r>
+              <a:rPr lang="en-US" dirty="0" err="1"/>
+              <a:t>hs</a:t>
+            </a:r>
+            <a:r>
+              <a:rPr lang="en-US" dirty="0"/>
+              <a:t> g</a:t>
+            </a:r>
+            <a:r>
+              <a:rPr lang="ru-RU" dirty="0" err="1"/>
+              <a:t>ыпрбзДБЗдбзпыа</a:t>
+            </a:r>
+            <a:endParaRPr lang="ru-RU" dirty="0"/>
+          </a:p>
+          <a:p>
+            <a:r>
+              <a:rPr lang="ru-RU" dirty="0"/>
+              <a:t>ЛЫАПЗРБРЛБЗЫЛБЗРАПЛБЗРПЛБЗР</a:t>
+            </a:r>
+          </a:p>
+          <a:p>
+            <a:r>
+              <a:rPr lang="ru-RU"/>
+              <a:t>ЫДБ ЛОЫДЛРЛДБАДЫБАПРЛ</a:t>
             </a:r>
             <a:endParaRPr lang="ru-RU" dirty="0"/>
           </a:p>
@@ -6701,20 +6403,13 @@
     </p:spTree>
     <p:extLst>
       <p:ext uri="{BB962C8B-B14F-4D97-AF65-F5344CB8AC3E}">
-        <p14:creationId xmlns:p14="http://schemas.microsoft.com/office/powerpoint/2010/main" val="4129374578"/>
+        <p14:creationId xmlns:p14="http://schemas.microsoft.com/office/powerpoint/2010/main" val="2324425443"/>
       </p:ext>
     </p:extLst>
   </p:cSld>
   <p:clrMapOvr>
     <a:masterClrMapping/>
   </p:clrMapOvr>
-  <p:timing>
-    <p:tnLst>
-      <p:par>
-        <p:cTn id="1" dur="indefinite" restart="never" nodeType="tmRoot"/>
-      </p:par>
-    </p:tnLst>
-  </p:timing>
 </p:sld>
 </file>
 
@@ -6737,7 +6432,13 @@
       </p:grpSpPr>
       <p:sp>
         <p:nvSpPr>
-          <p:cNvPr id="2" name="Заголовок 1"/>
+          <p:cNvPr id="2" name="Заголовок 1">
+            <a:extLst>
+              <a:ext uri="{FF2B5EF4-FFF2-40B4-BE49-F238E27FC236}">
+                <a16:creationId xmlns:a16="http://schemas.microsoft.com/office/drawing/2014/main" id="{FB04A183-E0A7-45F0-BDAE-9566C844415D}"/>
+              </a:ext>
+            </a:extLst>
+          </p:cNvPr>
           <p:cNvSpPr>
             <a:spLocks noGrp="1"/>
           </p:cNvSpPr>
@@ -6751,10 +6452,10 @@
           <a:lstStyle/>
           <a:p>
             <a:r>
-              <a:rPr lang="en-US" dirty="0" err="1" smtClean="0">
+              <a:rPr lang="en-US" dirty="0">
                 <a:hlinkClick r:id="rId2" action="ppaction://hlinksldjump"/>
               </a:rPr>
-              <a:t>adfasfdas</a:t>
+              <a:t>2222222222222!!!!!</a:t>
             </a:r>
             <a:endParaRPr lang="ru-RU" dirty="0"/>
           </a:p>
@@ -6762,7 +6463,13 @@
       </p:sp>
       <p:sp>
         <p:nvSpPr>
-          <p:cNvPr id="3" name="Объект 2"/>
+          <p:cNvPr id="3" name="Объект 2">
+            <a:extLst>
+              <a:ext uri="{FF2B5EF4-FFF2-40B4-BE49-F238E27FC236}">
+                <a16:creationId xmlns:a16="http://schemas.microsoft.com/office/drawing/2014/main" id="{C8A3D3BF-6105-4E96-8826-9DA4347D7958}"/>
+              </a:ext>
+            </a:extLst>
+          </p:cNvPr>
           <p:cNvSpPr>
             <a:spLocks noGrp="1"/>
           </p:cNvSpPr>
@@ -6776,8 +6483,8 @@
           <a:lstStyle/>
           <a:p>
             <a:r>
-              <a:rPr lang="en-US" dirty="0" err="1" smtClean="0"/>
-              <a:t>asdasdasddsafaf</a:t>
+              <a:rPr lang="en-US" dirty="0"/>
+              <a:t>33aergsrth</a:t>
             </a:r>
             <a:endParaRPr lang="ru-RU" dirty="0"/>
           </a:p>
@@ -6786,7 +6493,7 @@
     </p:spTree>
     <p:extLst>
       <p:ext uri="{BB962C8B-B14F-4D97-AF65-F5344CB8AC3E}">
-        <p14:creationId xmlns:p14="http://schemas.microsoft.com/office/powerpoint/2010/main" val="2345922780"/>
+        <p14:creationId xmlns:p14="http://schemas.microsoft.com/office/powerpoint/2010/main" val="4091782288"/>
       </p:ext>
     </p:extLst>
   </p:cSld>
@@ -6815,7 +6522,13 @@
       </p:grpSpPr>
       <p:sp>
         <p:nvSpPr>
-          <p:cNvPr id="2" name="Заголовок 1"/>
+          <p:cNvPr id="2" name="Заголовок 1">
+            <a:extLst>
+              <a:ext uri="{FF2B5EF4-FFF2-40B4-BE49-F238E27FC236}">
+                <a16:creationId xmlns:a16="http://schemas.microsoft.com/office/drawing/2014/main" id="{4D25E23D-C9C6-4A93-9FB6-0BF3F4734F8E}"/>
+              </a:ext>
+            </a:extLst>
+          </p:cNvPr>
           <p:cNvSpPr>
             <a:spLocks noGrp="1"/>
           </p:cNvSpPr>
@@ -6829,8 +6542,10 @@
           <a:lstStyle/>
           <a:p>
             <a:r>
-              <a:rPr lang="en-US" dirty="0" err="1" smtClean="0"/>
-              <a:t>dfsaasdfadsgaadfg</a:t>
+              <a:rPr lang="en-US" dirty="0" err="1">
+                <a:hlinkClick r:id="rId2" action="ppaction://hlinksldjump"/>
+              </a:rPr>
+              <a:t>aAaaaaaaA</a:t>
             </a:r>
             <a:endParaRPr lang="ru-RU" dirty="0"/>
           </a:p>
@@ -6838,7 +6553,13 @@
       </p:sp>
       <p:sp>
         <p:nvSpPr>
-          <p:cNvPr id="3" name="Объект 2"/>
+          <p:cNvPr id="3" name="Объект 2">
+            <a:extLst>
+              <a:ext uri="{FF2B5EF4-FFF2-40B4-BE49-F238E27FC236}">
+                <a16:creationId xmlns:a16="http://schemas.microsoft.com/office/drawing/2014/main" id="{C7723AB5-F6F6-46A7-8720-E690C4A33CAB}"/>
+              </a:ext>
+            </a:extLst>
+          </p:cNvPr>
           <p:cNvSpPr>
             <a:spLocks noGrp="1"/>
           </p:cNvSpPr>
@@ -6858,7 +6579,7 @@
     </p:spTree>
     <p:extLst>
       <p:ext uri="{BB962C8B-B14F-4D97-AF65-F5344CB8AC3E}">
-        <p14:creationId xmlns:p14="http://schemas.microsoft.com/office/powerpoint/2010/main" val="542404635"/>
+        <p14:creationId xmlns:p14="http://schemas.microsoft.com/office/powerpoint/2010/main" val="2619555488"/>
       </p:ext>
     </p:extLst>
   </p:cSld>
@@ -7132,265 +6853,4 @@
     </a:ext>
   </a:extLst>
 </a:theme>
-</file>
-
-<file path=ppt/theme/theme2.xml><?xml version="1.0" encoding="utf-8"?>
-<a:theme xmlns:a="http://schemas.openxmlformats.org/drawingml/2006/main" name="Тема Office">
-  <a:themeElements>
-    <a:clrScheme name="Стандартная">
-      <a:dk1>
-        <a:sysClr val="windowText" lastClr="000000"/>
-      </a:dk1>
-      <a:lt1>
-        <a:sysClr val="window" lastClr="FFFFFF"/>
-      </a:lt1>
-      <a:dk2>
-        <a:srgbClr val="44546A"/>
-      </a:dk2>
-      <a:lt2>
-        <a:srgbClr val="E7E6E6"/>
-      </a:lt2>
-      <a:accent1>
-        <a:srgbClr val="5B9BD5"/>
-      </a:accent1>
-      <a:accent2>
-        <a:srgbClr val="ED7D31"/>
-      </a:accent2>
-      <a:accent3>
-        <a:srgbClr val="A5A5A5"/>
-      </a:accent3>
-      <a:accent4>
-        <a:srgbClr val="FFC000"/>
-      </a:accent4>
-      <a:accent5>
-        <a:srgbClr val="4472C4"/>
-      </a:accent5>
-      <a:accent6>
-        <a:srgbClr val="70AD47"/>
-      </a:accent6>
-      <a:hlink>
-        <a:srgbClr val="0563C1"/>
-      </a:hlink>
-      <a:folHlink>
-        <a:srgbClr val="954F72"/>
-      </a:folHlink>
-    </a:clrScheme>
-    <a:fontScheme name="Стандартная">
-      <a:majorFont>
-        <a:latin typeface="Calibri Light" panose="020F0302020204030204"/>
-        <a:ea typeface=""/>
-        <a:cs typeface=""/>
-        <a:font script="Jpan" typeface="游ゴシック Light"/>
-        <a:font script="Hang" typeface="맑은 고딕"/>
-        <a:font script="Hans" typeface="等线 Light"/>
-        <a:font script="Hant" typeface="新細明體"/>
-        <a:font script="Arab" typeface="Times New Roman"/>
-        <a:font script="Hebr" typeface="Times New Roman"/>
-        <a:font script="Thai" typeface="Angsana New"/>
-        <a:font script="Ethi" typeface="Nyala"/>
-        <a:font script="Beng" typeface="Vrinda"/>
-        <a:font script="Gujr" typeface="Shruti"/>
-        <a:font script="Khmr" typeface="MoolBoran"/>
-        <a:font script="Knda" typeface="Tunga"/>
-        <a:font script="Guru" typeface="Raavi"/>
-        <a:font script="Cans" typeface="Euphemia"/>
-        <a:font script="Cher" typeface="Plantagenet Cherokee"/>
-        <a:font script="Yiii" typeface="Microsoft Yi Baiti"/>
-        <a:font script="Tibt" typeface="Microsoft Himalaya"/>
-        <a:font script="Thaa" typeface="MV Boli"/>
-        <a:font script="Deva" typeface="Mangal"/>
-        <a:font script="Telu" typeface="Gautami"/>
-        <a:font script="Taml" typeface="Latha"/>
-        <a:font script="Syrc" typeface="Estrangelo Edessa"/>
-        <a:font script="Orya" typeface="Kalinga"/>
-        <a:font script="Mlym" typeface="Kartika"/>
-        <a:font script="Laoo" typeface="DokChampa"/>
-        <a:font script="Sinh" typeface="Iskoola Pota"/>
-        <a:font script="Mong" typeface="Mongolian Baiti"/>
-        <a:font script="Viet" typeface="Times New Roman"/>
-        <a:font script="Uigh" typeface="Microsoft Uighur"/>
-        <a:font script="Geor" typeface="Sylfaen"/>
-      </a:majorFont>
-      <a:minorFont>
-        <a:latin typeface="Calibri" panose="020F0502020204030204"/>
-        <a:ea typeface=""/>
-        <a:cs typeface=""/>
-        <a:font script="Jpan" typeface="游ゴシック"/>
-        <a:font script="Hang" typeface="맑은 고딕"/>
-        <a:font script="Hans" typeface="等线"/>
-        <a:font script="Hant" typeface="新細明體"/>
-        <a:font script="Arab" typeface="Arial"/>
-        <a:font script="Hebr" typeface="Arial"/>
-        <a:font script="Thai" typeface="Cordia New"/>
-        <a:font script="Ethi" typeface="Nyala"/>
-        <a:font script="Beng" typeface="Vrinda"/>
-        <a:font script="Gujr" typeface="Shruti"/>
-        <a:font script="Khmr" typeface="DaunPenh"/>
-        <a:font script="Knda" typeface="Tunga"/>
-        <a:font script="Guru" typeface="Raavi"/>
-        <a:font script="Cans" typeface="Euphemia"/>
-        <a:font script="Cher" typeface="Plantagenet Cherokee"/>
-        <a:font script="Yiii" typeface="Microsoft Yi Baiti"/>
-        <a:font script="Tibt" typeface="Microsoft Himalaya"/>
-        <a:font script="Thaa" typeface="MV Boli"/>
-        <a:font script="Deva" typeface="Mangal"/>
-        <a:font script="Telu" typeface="Gautami"/>
-        <a:font script="Taml" typeface="Latha"/>
-        <a:font script="Syrc" typeface="Estrangelo Edessa"/>
-        <a:font script="Orya" typeface="Kalinga"/>
-        <a:font script="Mlym" typeface="Kartika"/>
-        <a:font script="Laoo" typeface="DokChampa"/>
-        <a:font script="Sinh" typeface="Iskoola Pota"/>
-        <a:font script="Mong" typeface="Mongolian Baiti"/>
-        <a:font script="Viet" typeface="Arial"/>
-        <a:font script="Uigh" typeface="Microsoft Uighur"/>
-        <a:font script="Geor" typeface="Sylfaen"/>
-      </a:minorFont>
-    </a:fontScheme>
-    <a:fmtScheme name="Стандартная">
-      <a:fillStyleLst>
-        <a:solidFill>
-          <a:schemeClr val="phClr"/>
-        </a:solidFill>
-        <a:gradFill rotWithShape="1">
-          <a:gsLst>
-            <a:gs pos="0">
-              <a:schemeClr val="phClr">
-                <a:lumMod val="110000"/>
-                <a:satMod val="105000"/>
-                <a:tint val="67000"/>
-              </a:schemeClr>
-            </a:gs>
-            <a:gs pos="50000">
-              <a:schemeClr val="phClr">
-                <a:lumMod val="105000"/>
-                <a:satMod val="103000"/>
-                <a:tint val="73000"/>
-              </a:schemeClr>
-            </a:gs>
-            <a:gs pos="100000">
-              <a:schemeClr val="phClr">
-                <a:lumMod val="105000"/>
-                <a:satMod val="109000"/>
-                <a:tint val="81000"/>
-              </a:schemeClr>
-            </a:gs>
-          </a:gsLst>
-          <a:lin ang="5400000" scaled="0"/>
-        </a:gradFill>
-        <a:gradFill rotWithShape="1">
-          <a:gsLst>
-            <a:gs pos="0">
-              <a:schemeClr val="phClr">
-                <a:satMod val="103000"/>
-                <a:lumMod val="102000"/>
-                <a:tint val="94000"/>
-              </a:schemeClr>
-            </a:gs>
-            <a:gs pos="50000">
-              <a:schemeClr val="phClr">
-                <a:satMod val="110000"/>
-                <a:lumMod val="100000"/>
-                <a:shade val="100000"/>
-              </a:schemeClr>
-            </a:gs>
-            <a:gs pos="100000">
-              <a:schemeClr val="phClr">
-                <a:lumMod val="99000"/>
-                <a:satMod val="120000"/>
-                <a:shade val="78000"/>
-              </a:schemeClr>
-            </a:gs>
-          </a:gsLst>
-          <a:lin ang="5400000" scaled="0"/>
-        </a:gradFill>
-      </a:fillStyleLst>
-      <a:lnStyleLst>
-        <a:ln w="6350" cap="flat" cmpd="sng" algn="ctr">
-          <a:solidFill>
-            <a:schemeClr val="phClr"/>
-          </a:solidFill>
-          <a:prstDash val="solid"/>
-          <a:miter lim="800000"/>
-        </a:ln>
-        <a:ln w="12700" cap="flat" cmpd="sng" algn="ctr">
-          <a:solidFill>
-            <a:schemeClr val="phClr"/>
-          </a:solidFill>
-          <a:prstDash val="solid"/>
-          <a:miter lim="800000"/>
-        </a:ln>
-        <a:ln w="19050" cap="flat" cmpd="sng" algn="ctr">
-          <a:solidFill>
-            <a:schemeClr val="phClr"/>
-          </a:solidFill>
-          <a:prstDash val="solid"/>
-          <a:miter lim="800000"/>
-        </a:ln>
-      </a:lnStyleLst>
-      <a:effectStyleLst>
-        <a:effectStyle>
-          <a:effectLst/>
-        </a:effectStyle>
-        <a:effectStyle>
-          <a:effectLst/>
-        </a:effectStyle>
-        <a:effectStyle>
-          <a:effectLst>
-            <a:outerShdw blurRad="57150" dist="19050" dir="5400000" algn="ctr" rotWithShape="0">
-              <a:srgbClr val="000000">
-                <a:alpha val="63000"/>
-              </a:srgbClr>
-            </a:outerShdw>
-          </a:effectLst>
-        </a:effectStyle>
-      </a:effectStyleLst>
-      <a:bgFillStyleLst>
-        <a:solidFill>
-          <a:schemeClr val="phClr"/>
-        </a:solidFill>
-        <a:solidFill>
-          <a:schemeClr val="phClr">
-            <a:tint val="95000"/>
-            <a:satMod val="170000"/>
-          </a:schemeClr>
-        </a:solidFill>
-        <a:gradFill rotWithShape="1">
-          <a:gsLst>
-            <a:gs pos="0">
-              <a:schemeClr val="phClr">
-                <a:tint val="93000"/>
-                <a:satMod val="150000"/>
-                <a:shade val="98000"/>
-                <a:lumMod val="102000"/>
-              </a:schemeClr>
-            </a:gs>
-            <a:gs pos="50000">
-              <a:schemeClr val="phClr">
-                <a:tint val="98000"/>
-                <a:satMod val="130000"/>
-                <a:shade val="90000"/>
-                <a:lumMod val="103000"/>
-              </a:schemeClr>
-            </a:gs>
-            <a:gs pos="100000">
-              <a:schemeClr val="phClr">
-                <a:shade val="63000"/>
-                <a:satMod val="120000"/>
-              </a:schemeClr>
-            </a:gs>
-          </a:gsLst>
-          <a:lin ang="5400000" scaled="0"/>
-        </a:gradFill>
-      </a:bgFillStyleLst>
-    </a:fmtScheme>
-  </a:themeElements>
-  <a:objectDefaults/>
-  <a:extraClrSchemeLst/>
-  <a:extLst>
-    <a:ext uri="{05A4C25C-085E-4340-85A3-A5531E510DB2}">
-      <thm15:themeFamily xmlns:thm15="http://schemas.microsoft.com/office/thememl/2012/main" name="Office Theme" id="{62F939B6-93AF-4DB8-9C6B-D6C7DFDC589F}" vid="{4A3C46E8-61CC-4603-A589-7422A47A8E4A}"/>
-    </a:ext>
-  </a:extLst>
-</a:theme>
 </file>